--- a/ppts/Chapter 5 Slides.pptx
+++ b/ppts/Chapter 5 Slides.pptx
@@ -2,7 +2,7 @@
 <file path=ppt/presentation.xml><?xml version="1.0" encoding="utf-8"?>
 <p:presentation xmlns:a="http://schemas.openxmlformats.org/drawingml/2006/main" xmlns:r="http://schemas.openxmlformats.org/officeDocument/2006/relationships" xmlns:p="http://schemas.openxmlformats.org/presentationml/2006/main" saveSubsetFonts="1" autoCompressPictures="0">
   <p:sldMasterIdLst>
-    <p:sldMasterId id="2147483660" r:id="rId1"/>
+    <p:sldMasterId id="2147483672" r:id="rId1"/>
   </p:sldMasterIdLst>
   <p:notesMasterIdLst>
     <p:notesMasterId r:id="rId27"/>
@@ -34,7 +34,7 @@
     <p:sldId id="279" r:id="rId25"/>
     <p:sldId id="280" r:id="rId26"/>
   </p:sldIdLst>
-  <p:sldSz cx="9144000" cy="6858000" type="screen4x3"/>
+  <p:sldSz cx="12192000" cy="6858000"/>
   <p:notesSz cx="6858000" cy="9144000"/>
   <p:defaultTextStyle>
     <a:defPPr>
@@ -131,6 +131,22 @@
       </a:defRPr>
     </a:lvl9pPr>
   </p:defaultTextStyle>
+  <p:extLst>
+    <p:ext uri="{EFAFB233-063F-42B5-8137-9DF3F51BA10A}">
+      <p15:sldGuideLst xmlns:p15="http://schemas.microsoft.com/office/powerpoint/2012/main">
+        <p15:guide id="1" orient="horz" pos="2160" userDrawn="1">
+          <p15:clr>
+            <a:srgbClr val="A4A3A4"/>
+          </p15:clr>
+        </p15:guide>
+        <p15:guide id="2" pos="3840" userDrawn="1">
+          <p15:clr>
+            <a:srgbClr val="A4A3A4"/>
+          </p15:clr>
+        </p15:guide>
+      </p15:sldGuideLst>
+    </p:ext>
+  </p:extLst>
 </p:presentation>
 </file>
 
@@ -216,7 +232,7 @@
           <a:p>
             <a:fld id="{B227AA7F-AAC4-A04F-96EF-DBAD596C710D}" type="datetimeFigureOut">
               <a:rPr lang="en-US" smtClean="0"/>
-              <a:t>10/10/16</a:t>
+              <a:t>8/17/17</a:t>
             </a:fld>
             <a:endParaRPr lang="en-US"/>
           </a:p>
@@ -234,8 +250,8 @@
         </p:nvSpPr>
         <p:spPr>
           <a:xfrm>
-            <a:off x="1143000" y="685800"/>
-            <a:ext cx="4572000" cy="3429000"/>
+            <a:off x="381000" y="685800"/>
+            <a:ext cx="6096000" cy="3429000"/>
           </a:xfrm>
           <a:prstGeom prst="rect">
             <a:avLst/>
@@ -511,7 +527,12 @@
             <p:ph type="sldImg"/>
           </p:nvPr>
         </p:nvSpPr>
-        <p:spPr/>
+        <p:spPr>
+          <a:xfrm>
+            <a:off x="381000" y="685800"/>
+            <a:ext cx="6096000" cy="3429000"/>
+          </a:xfrm>
+        </p:spPr>
       </p:sp>
       <p:sp>
         <p:nvSpPr>
@@ -620,7 +641,12 @@
             <p:ph type="sldImg"/>
           </p:nvPr>
         </p:nvSpPr>
-        <p:spPr/>
+        <p:spPr>
+          <a:xfrm>
+            <a:off x="381000" y="685800"/>
+            <a:ext cx="6096000" cy="3429000"/>
+          </a:xfrm>
+        </p:spPr>
       </p:sp>
       <p:sp>
         <p:nvSpPr>
@@ -712,7 +738,12 @@
             <p:ph type="sldImg"/>
           </p:nvPr>
         </p:nvSpPr>
-        <p:spPr/>
+        <p:spPr>
+          <a:xfrm>
+            <a:off x="381000" y="685800"/>
+            <a:ext cx="6096000" cy="3429000"/>
+          </a:xfrm>
+        </p:spPr>
       </p:sp>
       <p:sp>
         <p:nvSpPr>
@@ -804,7 +835,12 @@
             <p:ph type="sldImg"/>
           </p:nvPr>
         </p:nvSpPr>
-        <p:spPr/>
+        <p:spPr>
+          <a:xfrm>
+            <a:off x="381000" y="685800"/>
+            <a:ext cx="6096000" cy="3429000"/>
+          </a:xfrm>
+        </p:spPr>
       </p:sp>
       <p:sp>
         <p:nvSpPr>
@@ -888,7 +924,12 @@
             <p:ph type="sldImg"/>
           </p:nvPr>
         </p:nvSpPr>
-        <p:spPr/>
+        <p:spPr>
+          <a:xfrm>
+            <a:off x="381000" y="685800"/>
+            <a:ext cx="6096000" cy="3429000"/>
+          </a:xfrm>
+        </p:spPr>
       </p:sp>
       <p:sp>
         <p:nvSpPr>
@@ -990,7 +1031,12 @@
             <p:ph type="sldImg"/>
           </p:nvPr>
         </p:nvSpPr>
-        <p:spPr/>
+        <p:spPr>
+          <a:xfrm>
+            <a:off x="381000" y="685800"/>
+            <a:ext cx="6096000" cy="3429000"/>
+          </a:xfrm>
+        </p:spPr>
       </p:sp>
       <p:sp>
         <p:nvSpPr>
@@ -1104,14 +1150,14 @@
       </p:grpSpPr>
       <p:sp>
         <p:nvSpPr>
-          <p:cNvPr id="7" name="Rectangle 6"/>
+          <p:cNvPr id="4" name="Rectangle 6"/>
           <p:cNvSpPr/>
           <p:nvPr/>
         </p:nvSpPr>
         <p:spPr bwMode="white">
           <a:xfrm>
-            <a:off x="0" y="5971032"/>
-            <a:ext cx="9144000" cy="886968"/>
+            <a:off x="0" y="5970588"/>
+            <a:ext cx="12192000" cy="887412"/>
           </a:xfrm>
           <a:prstGeom prst="rect">
             <a:avLst/>
@@ -1143,21 +1189,29 @@
           <a:bodyPr anchor="ctr"/>
           <a:lstStyle/>
           <a:p>
-            <a:pPr algn="ctr" eaLnBrk="1" latinLnBrk="0" hangingPunct="1"/>
-            <a:endParaRPr kumimoji="0" lang="en-US"/>
-          </a:p>
-        </p:txBody>
-      </p:sp>
-      <p:sp>
-        <p:nvSpPr>
-          <p:cNvPr id="10" name="Rectangle 9"/>
+            <a:pPr algn="ctr" fontAlgn="auto">
+              <a:spcBef>
+                <a:spcPts val="0"/>
+              </a:spcBef>
+              <a:spcAft>
+                <a:spcPts val="0"/>
+              </a:spcAft>
+              <a:defRPr/>
+            </a:pPr>
+            <a:endParaRPr lang="en-US" sz="1350" dirty="0"/>
+          </a:p>
+        </p:txBody>
+      </p:sp>
+      <p:sp>
+        <p:nvSpPr>
+          <p:cNvPr id="5" name="Rectangle 9"/>
           <p:cNvSpPr/>
           <p:nvPr/>
         </p:nvSpPr>
         <p:spPr>
           <a:xfrm>
-            <a:off x="-9144" y="6053328"/>
-            <a:ext cx="2249424" cy="713232"/>
+            <a:off x="-12700" y="6053141"/>
+            <a:ext cx="2999317" cy="712787"/>
           </a:xfrm>
           <a:prstGeom prst="rect">
             <a:avLst/>
@@ -1191,21 +1245,32 @@
           <a:bodyPr anchor="ctr"/>
           <a:lstStyle/>
           <a:p>
-            <a:pPr algn="ctr" eaLnBrk="1" latinLnBrk="0" hangingPunct="1"/>
-            <a:endParaRPr kumimoji="0" lang="en-US"/>
-          </a:p>
-        </p:txBody>
-      </p:sp>
-      <p:sp>
-        <p:nvSpPr>
-          <p:cNvPr id="11" name="Rectangle 10"/>
+            <a:pPr algn="ctr" fontAlgn="auto">
+              <a:spcBef>
+                <a:spcPts val="0"/>
+              </a:spcBef>
+              <a:spcAft>
+                <a:spcPts val="0"/>
+              </a:spcAft>
+              <a:defRPr/>
+            </a:pPr>
+            <a:endParaRPr lang="en-US" sz="1350" dirty="0">
+              <a:latin typeface="Myriad Pro"/>
+              <a:cs typeface="Myriad Pro"/>
+            </a:endParaRPr>
+          </a:p>
+        </p:txBody>
+      </p:sp>
+      <p:sp>
+        <p:nvSpPr>
+          <p:cNvPr id="6" name="Rectangle 10"/>
           <p:cNvSpPr/>
           <p:nvPr/>
         </p:nvSpPr>
         <p:spPr>
           <a:xfrm>
-            <a:off x="2359152" y="6044184"/>
-            <a:ext cx="6784848" cy="713232"/>
+            <a:off x="3145369" y="6043616"/>
+            <a:ext cx="9046633" cy="714375"/>
           </a:xfrm>
           <a:prstGeom prst="rect">
             <a:avLst/>
@@ -1239,8 +1304,16 @@
           <a:bodyPr anchor="ctr"/>
           <a:lstStyle/>
           <a:p>
-            <a:pPr algn="ctr" eaLnBrk="1" latinLnBrk="0" hangingPunct="1"/>
-            <a:endParaRPr kumimoji="0" lang="en-US"/>
+            <a:pPr algn="ctr" fontAlgn="auto">
+              <a:spcBef>
+                <a:spcPts val="0"/>
+              </a:spcBef>
+              <a:spcAft>
+                <a:spcPts val="0"/>
+              </a:spcAft>
+              <a:defRPr/>
+            </a:pPr>
+            <a:endParaRPr lang="en-US" sz="1350" dirty="0"/>
           </a:p>
         </p:txBody>
       </p:sp>
@@ -1256,23 +1329,23 @@
         </p:nvSpPr>
         <p:spPr>
           <a:xfrm>
-            <a:off x="305210" y="4038600"/>
-            <a:ext cx="8533990" cy="1828800"/>
+            <a:off x="3149600" y="4038600"/>
+            <a:ext cx="8636000" cy="1828800"/>
           </a:xfrm>
         </p:spPr>
         <p:txBody>
           <a:bodyPr anchor="b"/>
           <a:lstStyle>
-            <a:lvl1pPr algn="ctr">
+            <a:lvl1pPr>
               <a:defRPr cap="all" baseline="0"/>
             </a:lvl1pPr>
           </a:lstStyle>
           <a:p>
             <a:r>
-              <a:rPr kumimoji="0" lang="en-US" smtClean="0"/>
+              <a:rPr lang="en-US" smtClean="0"/>
               <a:t>Click to edit Master title style</a:t>
             </a:r>
-            <a:endParaRPr kumimoji="0" lang="en-US" dirty="0"/>
+            <a:endParaRPr lang="en-US" dirty="0"/>
           </a:p>
         </p:txBody>
       </p:sp>
@@ -1288,8 +1361,8 @@
         </p:nvSpPr>
         <p:spPr>
           <a:xfrm>
-            <a:off x="2362200" y="6050037"/>
-            <a:ext cx="6705600" cy="685800"/>
+            <a:off x="3149600" y="6050037"/>
+            <a:ext cx="8940800" cy="685800"/>
           </a:xfrm>
         </p:spPr>
         <p:txBody>
@@ -1299,49 +1372,49 @@
           <a:lstStyle>
             <a:lvl1pPr marL="0" indent="0" algn="l">
               <a:buNone/>
-              <a:defRPr sz="2600">
+              <a:defRPr sz="1950">
                 <a:solidFill>
                   <a:srgbClr val="FFFFFF"/>
                 </a:solidFill>
               </a:defRPr>
             </a:lvl1pPr>
-            <a:lvl2pPr marL="457200" indent="0" algn="ctr">
+            <a:lvl2pPr marL="342900" indent="0" algn="ctr">
               <a:buNone/>
             </a:lvl2pPr>
-            <a:lvl3pPr marL="914400" indent="0" algn="ctr">
+            <a:lvl3pPr marL="685800" indent="0" algn="ctr">
               <a:buNone/>
             </a:lvl3pPr>
-            <a:lvl4pPr marL="1371600" indent="0" algn="ctr">
+            <a:lvl4pPr marL="1028700" indent="0" algn="ctr">
               <a:buNone/>
             </a:lvl4pPr>
-            <a:lvl5pPr marL="1828800" indent="0" algn="ctr">
+            <a:lvl5pPr marL="1371600" indent="0" algn="ctr">
               <a:buNone/>
             </a:lvl5pPr>
-            <a:lvl6pPr marL="2286000" indent="0" algn="ctr">
+            <a:lvl6pPr marL="1714500" indent="0" algn="ctr">
               <a:buNone/>
             </a:lvl6pPr>
-            <a:lvl7pPr marL="2743200" indent="0" algn="ctr">
+            <a:lvl7pPr marL="2057400" indent="0" algn="ctr">
               <a:buNone/>
             </a:lvl7pPr>
-            <a:lvl8pPr marL="3200400" indent="0" algn="ctr">
+            <a:lvl8pPr marL="2400300" indent="0" algn="ctr">
               <a:buNone/>
             </a:lvl8pPr>
-            <a:lvl9pPr marL="3657600" indent="0" algn="ctr">
+            <a:lvl9pPr marL="2743200" indent="0" algn="ctr">
               <a:buNone/>
             </a:lvl9pPr>
           </a:lstStyle>
           <a:p>
             <a:r>
-              <a:rPr kumimoji="0" lang="en-US" smtClean="0"/>
+              <a:rPr lang="en-US" smtClean="0"/>
               <a:t>Click to edit Master subtitle style</a:t>
             </a:r>
-            <a:endParaRPr kumimoji="0" lang="en-US"/>
-          </a:p>
-        </p:txBody>
-      </p:sp>
-      <p:sp>
-        <p:nvSpPr>
-          <p:cNvPr id="28" name="Date Placeholder 27"/>
+            <a:endParaRPr lang="en-US" dirty="0"/>
+          </a:p>
+        </p:txBody>
+      </p:sp>
+      <p:sp>
+        <p:nvSpPr>
+          <p:cNvPr id="7" name="Date Placeholder 27"/>
           <p:cNvSpPr>
             <a:spLocks noGrp="1"/>
           </p:cNvSpPr>
@@ -1351,8 +1424,8 @@
         </p:nvSpPr>
         <p:spPr>
           <a:xfrm>
-            <a:off x="76200" y="6068699"/>
-            <a:ext cx="2057400" cy="685800"/>
+            <a:off x="101600" y="6069013"/>
+            <a:ext cx="2743200" cy="685800"/>
           </a:xfrm>
         </p:spPr>
         <p:txBody>
@@ -1361,7 +1434,7 @@
           </a:bodyPr>
           <a:lstStyle>
             <a:lvl1pPr algn="ctr">
-              <a:defRPr sz="2000">
+              <a:defRPr sz="1500" smtClean="0">
                 <a:solidFill>
                   <a:srgbClr val="FFFFFF"/>
                 </a:solidFill>
@@ -1371,7 +1444,7 @@
           <a:p>
             <a:fld id="{A48BC6A3-4287-FB41-84FF-1B1578E1764A}" type="datetimeFigureOut">
               <a:rPr lang="en-US" smtClean="0"/>
-              <a:t>10/10/16</a:t>
+              <a:t>8/17/17</a:t>
             </a:fld>
             <a:endParaRPr lang="en-US"/>
           </a:p>
@@ -1379,7 +1452,7 @@
       </p:sp>
       <p:sp>
         <p:nvSpPr>
-          <p:cNvPr id="17" name="Footer Placeholder 16"/>
+          <p:cNvPr id="10" name="Footer Placeholder 16"/>
           <p:cNvSpPr>
             <a:spLocks noGrp="1"/>
           </p:cNvSpPr>
@@ -1389,8 +1462,8 @@
         </p:nvSpPr>
         <p:spPr>
           <a:xfrm>
-            <a:off x="2085393" y="236538"/>
-            <a:ext cx="5867400" cy="365125"/>
+            <a:off x="2781300" y="236541"/>
+            <a:ext cx="7823200" cy="365125"/>
           </a:xfrm>
         </p:spPr>
         <p:txBody>
@@ -1409,47 +1482,18 @@
           </a:p>
         </p:txBody>
       </p:sp>
-      <p:sp>
-        <p:nvSpPr>
-          <p:cNvPr id="29" name="Slide Number Placeholder 28"/>
-          <p:cNvSpPr>
-            <a:spLocks noGrp="1"/>
-          </p:cNvSpPr>
-          <p:nvPr>
-            <p:ph type="sldNum" sz="quarter" idx="12"/>
-          </p:nvPr>
-        </p:nvSpPr>
-        <p:spPr>
-          <a:xfrm>
-            <a:off x="8001000" y="228600"/>
-            <a:ext cx="838200" cy="381000"/>
-          </a:xfrm>
-        </p:spPr>
-        <p:txBody>
-          <a:bodyPr/>
-          <a:lstStyle>
-            <a:lvl1pPr>
-              <a:defRPr>
-                <a:solidFill>
-                  <a:schemeClr val="tx2"/>
-                </a:solidFill>
-              </a:defRPr>
-            </a:lvl1pPr>
-          </a:lstStyle>
-          <a:p>
-            <a:fld id="{F46E0E8F-E880-574A-B851-02BD22F8A2F8}" type="slidenum">
-              <a:rPr lang="en-US" smtClean="0"/>
-              <a:t>‹#›</a:t>
-            </a:fld>
-            <a:endParaRPr lang="en-US"/>
-          </a:p>
-        </p:txBody>
-      </p:sp>
     </p:spTree>
   </p:cSld>
   <p:clrMapOvr>
     <a:masterClrMapping/>
   </p:clrMapOvr>
+  <p:timing>
+    <p:tnLst>
+      <p:par>
+        <p:cTn id="1" dur="indefinite" restart="never" nodeType="tmRoot"/>
+      </p:par>
+    </p:tnLst>
+  </p:timing>
 </p:sldLayout>
 </file>
 
@@ -1486,10 +1530,10 @@
           <a:lstStyle/>
           <a:p>
             <a:r>
-              <a:rPr kumimoji="0" lang="en-US" smtClean="0"/>
+              <a:rPr lang="en-US" smtClean="0"/>
               <a:t>Click to edit Master title style</a:t>
             </a:r>
-            <a:endParaRPr kumimoji="0" lang="en-US"/>
+            <a:endParaRPr lang="en-US"/>
           </a:p>
         </p:txBody>
       </p:sp>
@@ -1508,46 +1552,46 @@
           <a:bodyPr vert="eaVert"/>
           <a:lstStyle/>
           <a:p>
-            <a:pPr lvl="0" eaLnBrk="1" latinLnBrk="0" hangingPunct="1"/>
+            <a:pPr lvl="0"/>
             <a:r>
               <a:rPr lang="en-US" smtClean="0"/>
               <a:t>Click to edit Master text styles</a:t>
             </a:r>
           </a:p>
           <a:p>
-            <a:pPr lvl="1" eaLnBrk="1" latinLnBrk="0" hangingPunct="1"/>
+            <a:pPr lvl="1"/>
             <a:r>
               <a:rPr lang="en-US" smtClean="0"/>
               <a:t>Second level</a:t>
             </a:r>
           </a:p>
           <a:p>
-            <a:pPr lvl="2" eaLnBrk="1" latinLnBrk="0" hangingPunct="1"/>
+            <a:pPr lvl="2"/>
             <a:r>
               <a:rPr lang="en-US" smtClean="0"/>
               <a:t>Third level</a:t>
             </a:r>
           </a:p>
           <a:p>
-            <a:pPr lvl="3" eaLnBrk="1" latinLnBrk="0" hangingPunct="1"/>
+            <a:pPr lvl="3"/>
             <a:r>
               <a:rPr lang="en-US" smtClean="0"/>
               <a:t>Fourth level</a:t>
             </a:r>
           </a:p>
           <a:p>
-            <a:pPr lvl="4" eaLnBrk="1" latinLnBrk="0" hangingPunct="1"/>
+            <a:pPr lvl="4"/>
             <a:r>
               <a:rPr lang="en-US" smtClean="0"/>
               <a:t>Fifth level</a:t>
             </a:r>
-            <a:endParaRPr kumimoji="0" lang="en-US"/>
-          </a:p>
-        </p:txBody>
-      </p:sp>
-      <p:sp>
-        <p:nvSpPr>
-          <p:cNvPr id="4" name="Date Placeholder 3"/>
+            <a:endParaRPr lang="en-US"/>
+          </a:p>
+        </p:txBody>
+      </p:sp>
+      <p:sp>
+        <p:nvSpPr>
+          <p:cNvPr id="4" name="Date Placeholder 13"/>
           <p:cNvSpPr>
             <a:spLocks noGrp="1"/>
           </p:cNvSpPr>
@@ -1558,11 +1602,15 @@
         <p:spPr/>
         <p:txBody>
           <a:bodyPr/>
-          <a:lstStyle/>
+          <a:lstStyle>
+            <a:lvl1pPr>
+              <a:defRPr/>
+            </a:lvl1pPr>
+          </a:lstStyle>
           <a:p>
             <a:fld id="{A48BC6A3-4287-FB41-84FF-1B1578E1764A}" type="datetimeFigureOut">
               <a:rPr lang="en-US" smtClean="0"/>
-              <a:t>10/10/16</a:t>
+              <a:t>8/17/17</a:t>
             </a:fld>
             <a:endParaRPr lang="en-US"/>
           </a:p>
@@ -1570,7 +1618,7 @@
       </p:sp>
       <p:sp>
         <p:nvSpPr>
-          <p:cNvPr id="5" name="Footer Placeholder 4"/>
+          <p:cNvPr id="5" name="Footer Placeholder 2"/>
           <p:cNvSpPr>
             <a:spLocks noGrp="1"/>
           </p:cNvSpPr>
@@ -1581,31 +1629,12 @@
         <p:spPr/>
         <p:txBody>
           <a:bodyPr/>
-          <a:lstStyle/>
-          <a:p>
-            <a:endParaRPr lang="en-US"/>
-          </a:p>
-        </p:txBody>
-      </p:sp>
-      <p:sp>
-        <p:nvSpPr>
-          <p:cNvPr id="6" name="Slide Number Placeholder 5"/>
-          <p:cNvSpPr>
-            <a:spLocks noGrp="1"/>
-          </p:cNvSpPr>
-          <p:nvPr>
-            <p:ph type="sldNum" sz="quarter" idx="12"/>
-          </p:nvPr>
-        </p:nvSpPr>
-        <p:spPr/>
-        <p:txBody>
-          <a:bodyPr/>
-          <a:lstStyle/>
-          <a:p>
-            <a:fld id="{F46E0E8F-E880-574A-B851-02BD22F8A2F8}" type="slidenum">
-              <a:rPr lang="en-US" smtClean="0"/>
-              <a:t>‹#›</a:t>
-            </a:fld>
+          <a:lstStyle>
+            <a:lvl1pPr>
+              <a:defRPr/>
+            </a:lvl1pPr>
+          </a:lstStyle>
+          <a:p>
             <a:endParaRPr lang="en-US"/>
           </a:p>
         </p:txBody>
@@ -1637,151 +1666,14 @@
       </p:grpSpPr>
       <p:sp>
         <p:nvSpPr>
-          <p:cNvPr id="2" name="Vertical Title 1"/>
-          <p:cNvSpPr>
-            <a:spLocks noGrp="1"/>
-          </p:cNvSpPr>
-          <p:nvPr>
-            <p:ph type="title" orient="vert"/>
-          </p:nvPr>
-        </p:nvSpPr>
-        <p:spPr>
-          <a:xfrm>
-            <a:off x="6553200" y="609600"/>
-            <a:ext cx="2057400" cy="5516563"/>
-          </a:xfrm>
-        </p:spPr>
-        <p:txBody>
-          <a:bodyPr vert="eaVert"/>
-          <a:lstStyle/>
-          <a:p>
-            <a:r>
-              <a:rPr kumimoji="0" lang="en-US" smtClean="0"/>
-              <a:t>Click to edit Master title style</a:t>
-            </a:r>
-            <a:endParaRPr kumimoji="0" lang="en-US"/>
-          </a:p>
-        </p:txBody>
-      </p:sp>
-      <p:sp>
-        <p:nvSpPr>
-          <p:cNvPr id="3" name="Vertical Text Placeholder 2"/>
-          <p:cNvSpPr>
-            <a:spLocks noGrp="1"/>
-          </p:cNvSpPr>
-          <p:nvPr>
-            <p:ph type="body" orient="vert" idx="1"/>
-          </p:nvPr>
-        </p:nvSpPr>
-        <p:spPr>
-          <a:xfrm>
-            <a:off x="457200" y="609600"/>
-            <a:ext cx="5562600" cy="5516564"/>
-          </a:xfrm>
-        </p:spPr>
-        <p:txBody>
-          <a:bodyPr vert="eaVert"/>
-          <a:lstStyle/>
-          <a:p>
-            <a:pPr lvl="0" eaLnBrk="1" latinLnBrk="0" hangingPunct="1"/>
-            <a:r>
-              <a:rPr lang="en-US" smtClean="0"/>
-              <a:t>Click to edit Master text styles</a:t>
-            </a:r>
-          </a:p>
-          <a:p>
-            <a:pPr lvl="1" eaLnBrk="1" latinLnBrk="0" hangingPunct="1"/>
-            <a:r>
-              <a:rPr lang="en-US" smtClean="0"/>
-              <a:t>Second level</a:t>
-            </a:r>
-          </a:p>
-          <a:p>
-            <a:pPr lvl="2" eaLnBrk="1" latinLnBrk="0" hangingPunct="1"/>
-            <a:r>
-              <a:rPr lang="en-US" smtClean="0"/>
-              <a:t>Third level</a:t>
-            </a:r>
-          </a:p>
-          <a:p>
-            <a:pPr lvl="3" eaLnBrk="1" latinLnBrk="0" hangingPunct="1"/>
-            <a:r>
-              <a:rPr lang="en-US" smtClean="0"/>
-              <a:t>Fourth level</a:t>
-            </a:r>
-          </a:p>
-          <a:p>
-            <a:pPr lvl="4" eaLnBrk="1" latinLnBrk="0" hangingPunct="1"/>
-            <a:r>
-              <a:rPr lang="en-US" smtClean="0"/>
-              <a:t>Fifth level</a:t>
-            </a:r>
-            <a:endParaRPr kumimoji="0" lang="en-US"/>
-          </a:p>
-        </p:txBody>
-      </p:sp>
-      <p:sp>
-        <p:nvSpPr>
-          <p:cNvPr id="4" name="Date Placeholder 3"/>
-          <p:cNvSpPr>
-            <a:spLocks noGrp="1"/>
-          </p:cNvSpPr>
-          <p:nvPr>
-            <p:ph type="dt" sz="half" idx="10"/>
-          </p:nvPr>
-        </p:nvSpPr>
-        <p:spPr>
-          <a:xfrm>
-            <a:off x="6553200" y="6248402"/>
-            <a:ext cx="2209800" cy="365125"/>
-          </a:xfrm>
-        </p:spPr>
-        <p:txBody>
-          <a:bodyPr/>
-          <a:lstStyle/>
-          <a:p>
-            <a:fld id="{A48BC6A3-4287-FB41-84FF-1B1578E1764A}" type="datetimeFigureOut">
-              <a:rPr lang="en-US" smtClean="0"/>
-              <a:t>10/10/16</a:t>
-            </a:fld>
-            <a:endParaRPr lang="en-US"/>
-          </a:p>
-        </p:txBody>
-      </p:sp>
-      <p:sp>
-        <p:nvSpPr>
-          <p:cNvPr id="5" name="Footer Placeholder 4"/>
-          <p:cNvSpPr>
-            <a:spLocks noGrp="1"/>
-          </p:cNvSpPr>
-          <p:nvPr>
-            <p:ph type="ftr" sz="quarter" idx="11"/>
-          </p:nvPr>
-        </p:nvSpPr>
-        <p:spPr>
-          <a:xfrm>
-            <a:off x="457201" y="6248207"/>
-            <a:ext cx="5573483" cy="365125"/>
-          </a:xfrm>
-        </p:spPr>
-        <p:txBody>
-          <a:bodyPr/>
-          <a:lstStyle/>
-          <a:p>
-            <a:endParaRPr lang="en-US"/>
-          </a:p>
-        </p:txBody>
-      </p:sp>
-      <p:sp>
-        <p:nvSpPr>
-          <p:cNvPr id="7" name="Rectangle 6"/>
+          <p:cNvPr id="4" name="Rectangle 6"/>
           <p:cNvSpPr/>
           <p:nvPr/>
         </p:nvSpPr>
         <p:spPr bwMode="white">
           <a:xfrm>
-            <a:off x="6096318" y="0"/>
-            <a:ext cx="320040" cy="6858000"/>
+            <a:off x="8128002" y="0"/>
+            <a:ext cx="427567" cy="6858000"/>
           </a:xfrm>
           <a:prstGeom prst="rect">
             <a:avLst/>
@@ -1809,24 +1701,32 @@
           </a:fontRef>
         </p:style>
         <p:txBody>
-          <a:bodyPr rtlCol="0" anchor="ctr"/>
-          <a:lstStyle/>
-          <a:p>
-            <a:pPr algn="ctr" eaLnBrk="1" latinLnBrk="0" hangingPunct="1"/>
-            <a:endParaRPr kumimoji="0" lang="en-US"/>
-          </a:p>
-        </p:txBody>
-      </p:sp>
-      <p:sp>
-        <p:nvSpPr>
-          <p:cNvPr id="8" name="Rectangle 7"/>
+          <a:bodyPr anchor="ctr"/>
+          <a:lstStyle/>
+          <a:p>
+            <a:pPr algn="ctr" fontAlgn="auto">
+              <a:spcBef>
+                <a:spcPts val="0"/>
+              </a:spcBef>
+              <a:spcAft>
+                <a:spcPts val="0"/>
+              </a:spcAft>
+              <a:defRPr/>
+            </a:pPr>
+            <a:endParaRPr lang="en-US" sz="1350" dirty="0"/>
+          </a:p>
+        </p:txBody>
+      </p:sp>
+      <p:sp>
+        <p:nvSpPr>
+          <p:cNvPr id="5" name="Rectangle 7"/>
           <p:cNvSpPr/>
           <p:nvPr/>
         </p:nvSpPr>
         <p:spPr>
           <a:xfrm>
-            <a:off x="6142038" y="609600"/>
-            <a:ext cx="228600" cy="6248400"/>
+            <a:off x="8189384" y="609600"/>
+            <a:ext cx="304800" cy="6248400"/>
           </a:xfrm>
           <a:prstGeom prst="rect">
             <a:avLst/>
@@ -1854,24 +1754,32 @@
           </a:fontRef>
         </p:style>
         <p:txBody>
-          <a:bodyPr rtlCol="0" anchor="ctr"/>
-          <a:lstStyle/>
-          <a:p>
-            <a:pPr algn="ctr" eaLnBrk="1" latinLnBrk="0" hangingPunct="1"/>
-            <a:endParaRPr kumimoji="0" lang="en-US"/>
-          </a:p>
-        </p:txBody>
-      </p:sp>
-      <p:sp>
-        <p:nvSpPr>
-          <p:cNvPr id="9" name="Rectangle 8"/>
+          <a:bodyPr anchor="ctr"/>
+          <a:lstStyle/>
+          <a:p>
+            <a:pPr algn="ctr" fontAlgn="auto">
+              <a:spcBef>
+                <a:spcPts val="0"/>
+              </a:spcBef>
+              <a:spcAft>
+                <a:spcPts val="0"/>
+              </a:spcAft>
+              <a:defRPr/>
+            </a:pPr>
+            <a:endParaRPr lang="en-US" sz="1350" dirty="0"/>
+          </a:p>
+        </p:txBody>
+      </p:sp>
+      <p:sp>
+        <p:nvSpPr>
+          <p:cNvPr id="6" name="Rectangle 8"/>
           <p:cNvSpPr/>
           <p:nvPr/>
         </p:nvSpPr>
         <p:spPr>
           <a:xfrm>
-            <a:off x="6142038" y="0"/>
-            <a:ext cx="228600" cy="533400"/>
+            <a:off x="8189384" y="0"/>
+            <a:ext cx="304800" cy="533400"/>
           </a:xfrm>
           <a:prstGeom prst="rect">
             <a:avLst/>
@@ -1899,38 +1807,163 @@
           </a:fontRef>
         </p:style>
         <p:txBody>
-          <a:bodyPr rtlCol="0" anchor="ctr"/>
-          <a:lstStyle/>
-          <a:p>
-            <a:pPr algn="ctr" eaLnBrk="1" latinLnBrk="0" hangingPunct="1"/>
-            <a:endParaRPr kumimoji="0" lang="en-US"/>
-          </a:p>
-        </p:txBody>
-      </p:sp>
-      <p:sp>
-        <p:nvSpPr>
-          <p:cNvPr id="6" name="Slide Number Placeholder 5"/>
-          <p:cNvSpPr>
-            <a:spLocks noGrp="1"/>
-          </p:cNvSpPr>
-          <p:nvPr>
-            <p:ph type="sldNum" sz="quarter" idx="12"/>
+          <a:bodyPr anchor="ctr"/>
+          <a:lstStyle/>
+          <a:p>
+            <a:pPr algn="ctr" fontAlgn="auto">
+              <a:spcBef>
+                <a:spcPts val="0"/>
+              </a:spcBef>
+              <a:spcAft>
+                <a:spcPts val="0"/>
+              </a:spcAft>
+              <a:defRPr/>
+            </a:pPr>
+            <a:endParaRPr lang="en-US" sz="1350" dirty="0"/>
+          </a:p>
+        </p:txBody>
+      </p:sp>
+      <p:sp>
+        <p:nvSpPr>
+          <p:cNvPr id="2" name="Vertical Title 1"/>
+          <p:cNvSpPr>
+            <a:spLocks noGrp="1"/>
+          </p:cNvSpPr>
+          <p:nvPr>
+            <p:ph type="title" orient="vert"/>
           </p:nvPr>
         </p:nvSpPr>
         <p:spPr>
-          <a:xfrm rot="5400000">
-            <a:off x="5989638" y="144462"/>
-            <a:ext cx="533400" cy="244476"/>
+          <a:xfrm>
+            <a:off x="8737600" y="609603"/>
+            <a:ext cx="2743200" cy="5516563"/>
           </a:xfrm>
         </p:spPr>
         <p:txBody>
-          <a:bodyPr/>
-          <a:lstStyle/>
-          <a:p>
-            <a:fld id="{F46E0E8F-E880-574A-B851-02BD22F8A2F8}" type="slidenum">
-              <a:rPr lang="en-US" smtClean="0"/>
-              <a:t>‹#›</a:t>
+          <a:bodyPr vert="eaVert"/>
+          <a:lstStyle/>
+          <a:p>
+            <a:r>
+              <a:rPr lang="en-US" smtClean="0"/>
+              <a:t>Click to edit Master title style</a:t>
+            </a:r>
+            <a:endParaRPr lang="en-US"/>
+          </a:p>
+        </p:txBody>
+      </p:sp>
+      <p:sp>
+        <p:nvSpPr>
+          <p:cNvPr id="3" name="Vertical Text Placeholder 2"/>
+          <p:cNvSpPr>
+            <a:spLocks noGrp="1"/>
+          </p:cNvSpPr>
+          <p:nvPr>
+            <p:ph type="body" orient="vert" idx="1"/>
+          </p:nvPr>
+        </p:nvSpPr>
+        <p:spPr>
+          <a:xfrm>
+            <a:off x="609600" y="609600"/>
+            <a:ext cx="7416800" cy="5516564"/>
+          </a:xfrm>
+        </p:spPr>
+        <p:txBody>
+          <a:bodyPr vert="eaVert"/>
+          <a:lstStyle/>
+          <a:p>
+            <a:pPr lvl="0"/>
+            <a:r>
+              <a:rPr lang="en-US" smtClean="0"/>
+              <a:t>Click to edit Master text styles</a:t>
+            </a:r>
+          </a:p>
+          <a:p>
+            <a:pPr lvl="1"/>
+            <a:r>
+              <a:rPr lang="en-US" smtClean="0"/>
+              <a:t>Second level</a:t>
+            </a:r>
+          </a:p>
+          <a:p>
+            <a:pPr lvl="2"/>
+            <a:r>
+              <a:rPr lang="en-US" smtClean="0"/>
+              <a:t>Third level</a:t>
+            </a:r>
+          </a:p>
+          <a:p>
+            <a:pPr lvl="3"/>
+            <a:r>
+              <a:rPr lang="en-US" smtClean="0"/>
+              <a:t>Fourth level</a:t>
+            </a:r>
+          </a:p>
+          <a:p>
+            <a:pPr lvl="4"/>
+            <a:r>
+              <a:rPr lang="en-US" smtClean="0"/>
+              <a:t>Fifth level</a:t>
+            </a:r>
+            <a:endParaRPr lang="en-US"/>
+          </a:p>
+        </p:txBody>
+      </p:sp>
+      <p:sp>
+        <p:nvSpPr>
+          <p:cNvPr id="7" name="Date Placeholder 3"/>
+          <p:cNvSpPr>
+            <a:spLocks noGrp="1"/>
+          </p:cNvSpPr>
+          <p:nvPr>
+            <p:ph type="dt" sz="half" idx="10"/>
+          </p:nvPr>
+        </p:nvSpPr>
+        <p:spPr>
+          <a:xfrm>
+            <a:off x="8737600" y="6248403"/>
+            <a:ext cx="2946400" cy="365125"/>
+          </a:xfrm>
+        </p:spPr>
+        <p:txBody>
+          <a:bodyPr/>
+          <a:lstStyle>
+            <a:lvl1pPr>
+              <a:defRPr/>
+            </a:lvl1pPr>
+          </a:lstStyle>
+          <a:p>
+            <a:fld id="{A48BC6A3-4287-FB41-84FF-1B1578E1764A}" type="datetimeFigureOut">
+              <a:rPr lang="en-US" smtClean="0"/>
+              <a:t>8/17/17</a:t>
             </a:fld>
+            <a:endParaRPr lang="en-US"/>
+          </a:p>
+        </p:txBody>
+      </p:sp>
+      <p:sp>
+        <p:nvSpPr>
+          <p:cNvPr id="8" name="Footer Placeholder 4"/>
+          <p:cNvSpPr>
+            <a:spLocks noGrp="1"/>
+          </p:cNvSpPr>
+          <p:nvPr>
+            <p:ph type="ftr" sz="quarter" idx="11"/>
+          </p:nvPr>
+        </p:nvSpPr>
+        <p:spPr>
+          <a:xfrm>
+            <a:off x="609602" y="6248403"/>
+            <a:ext cx="7431617" cy="365125"/>
+          </a:xfrm>
+        </p:spPr>
+        <p:txBody>
+          <a:bodyPr/>
+          <a:lstStyle>
+            <a:lvl1pPr>
+              <a:defRPr/>
+            </a:lvl1pPr>
+          </a:lstStyle>
+          <a:p>
             <a:endParaRPr lang="en-US"/>
           </a:p>
         </p:txBody>
@@ -1940,6 +1973,13 @@
   <p:clrMapOvr>
     <a:masterClrMapping/>
   </p:clrMapOvr>
+  <p:timing>
+    <p:tnLst>
+      <p:par>
+        <p:cTn id="1" dur="indefinite" restart="never" nodeType="tmRoot"/>
+      </p:par>
+    </p:tnLst>
+  </p:timing>
 </p:sldLayout>
 </file>
 
@@ -1972,90 +2012,145 @@
         </p:nvSpPr>
         <p:spPr>
           <a:xfrm>
-            <a:off x="612648" y="228600"/>
-            <a:ext cx="8153400" cy="990600"/>
+            <a:off x="816864" y="228600"/>
+            <a:ext cx="10871200" cy="990600"/>
           </a:xfrm>
         </p:spPr>
         <p:txBody>
           <a:bodyPr/>
-          <a:lstStyle/>
-          <a:p>
-            <a:r>
-              <a:rPr kumimoji="0" lang="en-US" smtClean="0"/>
-              <a:t>Click to edit Master title style</a:t>
-            </a:r>
-            <a:endParaRPr kumimoji="0" lang="en-US" dirty="0"/>
-          </a:p>
-        </p:txBody>
-      </p:sp>
-      <p:sp>
-        <p:nvSpPr>
-          <p:cNvPr id="4" name="Date Placeholder 3"/>
-          <p:cNvSpPr>
-            <a:spLocks noGrp="1"/>
-          </p:cNvSpPr>
-          <p:nvPr>
-            <p:ph type="dt" sz="half" idx="10"/>
-          </p:nvPr>
-        </p:nvSpPr>
-        <p:spPr/>
-        <p:txBody>
-          <a:bodyPr/>
-          <a:lstStyle/>
-          <a:p>
-            <a:fld id="{A48BC6A3-4287-FB41-84FF-1B1578E1764A}" type="datetimeFigureOut">
-              <a:rPr lang="en-US" smtClean="0"/>
-              <a:t>10/10/16</a:t>
-            </a:fld>
-            <a:endParaRPr lang="en-US"/>
-          </a:p>
-        </p:txBody>
-      </p:sp>
-      <p:sp>
-        <p:nvSpPr>
-          <p:cNvPr id="5" name="Footer Placeholder 4"/>
-          <p:cNvSpPr>
-            <a:spLocks noGrp="1"/>
-          </p:cNvSpPr>
-          <p:nvPr>
-            <p:ph type="ftr" sz="quarter" idx="11"/>
-          </p:nvPr>
-        </p:nvSpPr>
-        <p:spPr/>
-        <p:txBody>
-          <a:bodyPr/>
-          <a:lstStyle/>
-          <a:p>
-            <a:endParaRPr lang="en-US"/>
-          </a:p>
-        </p:txBody>
-      </p:sp>
-      <p:sp>
-        <p:nvSpPr>
-          <p:cNvPr id="6" name="Slide Number Placeholder 5"/>
-          <p:cNvSpPr>
-            <a:spLocks noGrp="1"/>
-          </p:cNvSpPr>
-          <p:nvPr>
-            <p:ph type="sldNum" sz="quarter" idx="12"/>
-          </p:nvPr>
-        </p:nvSpPr>
-        <p:spPr/>
-        <p:txBody>
-          <a:bodyPr/>
           <a:lstStyle>
             <a:lvl1pPr>
-              <a:defRPr>
-                <a:solidFill>
-                  <a:srgbClr val="FFFFFF"/>
-                </a:solidFill>
+              <a:defRPr b="0" i="0">
+                <a:latin typeface="Helvetica Neue Light" charset="0"/>
+                <a:ea typeface="Helvetica Neue Light" charset="0"/>
+                <a:cs typeface="Helvetica Neue Light" charset="0"/>
               </a:defRPr>
             </a:lvl1pPr>
           </a:lstStyle>
           <a:p>
-            <a:fld id="{F46E0E8F-E880-574A-B851-02BD22F8A2F8}" type="slidenum">
-              <a:rPr lang="en-US" smtClean="0"/>
-              <a:t>‹#›</a:t>
+            <a:r>
+              <a:rPr lang="en-US" smtClean="0"/>
+              <a:t>Click to edit Master title style</a:t>
+            </a:r>
+            <a:endParaRPr lang="en-US" dirty="0"/>
+          </a:p>
+        </p:txBody>
+      </p:sp>
+      <p:sp>
+        <p:nvSpPr>
+          <p:cNvPr id="8" name="Content Placeholder 7"/>
+          <p:cNvSpPr>
+            <a:spLocks noGrp="1"/>
+          </p:cNvSpPr>
+          <p:nvPr>
+            <p:ph sz="quarter" idx="1"/>
+          </p:nvPr>
+        </p:nvSpPr>
+        <p:spPr>
+          <a:xfrm>
+            <a:off x="816864" y="1600200"/>
+            <a:ext cx="10871200" cy="4495800"/>
+          </a:xfrm>
+        </p:spPr>
+        <p:txBody>
+          <a:bodyPr/>
+          <a:lstStyle>
+            <a:lvl1pPr>
+              <a:defRPr b="0" i="0">
+                <a:latin typeface="Helvetica Neue Light" charset="0"/>
+                <a:ea typeface="Helvetica Neue Light" charset="0"/>
+                <a:cs typeface="Helvetica Neue Light" charset="0"/>
+              </a:defRPr>
+            </a:lvl1pPr>
+            <a:lvl2pPr>
+              <a:defRPr b="0" i="0">
+                <a:latin typeface="Helvetica Neue Light" charset="0"/>
+                <a:ea typeface="Helvetica Neue Light" charset="0"/>
+                <a:cs typeface="Helvetica Neue Light" charset="0"/>
+              </a:defRPr>
+            </a:lvl2pPr>
+            <a:lvl3pPr>
+              <a:defRPr b="0" i="0">
+                <a:latin typeface="Helvetica Neue Light" charset="0"/>
+                <a:ea typeface="Helvetica Neue Light" charset="0"/>
+                <a:cs typeface="Helvetica Neue Light" charset="0"/>
+              </a:defRPr>
+            </a:lvl3pPr>
+            <a:lvl4pPr>
+              <a:defRPr b="0" i="0">
+                <a:latin typeface="Helvetica Neue Light" charset="0"/>
+                <a:ea typeface="Helvetica Neue Light" charset="0"/>
+                <a:cs typeface="Helvetica Neue Light" charset="0"/>
+              </a:defRPr>
+            </a:lvl4pPr>
+            <a:lvl5pPr>
+              <a:defRPr b="0" i="0">
+                <a:latin typeface="Helvetica Neue Light" charset="0"/>
+                <a:ea typeface="Helvetica Neue Light" charset="0"/>
+                <a:cs typeface="Helvetica Neue Light" charset="0"/>
+              </a:defRPr>
+            </a:lvl5pPr>
+          </a:lstStyle>
+          <a:p>
+            <a:pPr lvl="0"/>
+            <a:r>
+              <a:rPr lang="en-US" smtClean="0"/>
+              <a:t>Click to edit Master text styles</a:t>
+            </a:r>
+          </a:p>
+          <a:p>
+            <a:pPr lvl="1"/>
+            <a:r>
+              <a:rPr lang="en-US" smtClean="0"/>
+              <a:t>Second level</a:t>
+            </a:r>
+          </a:p>
+          <a:p>
+            <a:pPr lvl="2"/>
+            <a:r>
+              <a:rPr lang="en-US" smtClean="0"/>
+              <a:t>Third level</a:t>
+            </a:r>
+          </a:p>
+          <a:p>
+            <a:pPr lvl="3"/>
+            <a:r>
+              <a:rPr lang="en-US" smtClean="0"/>
+              <a:t>Fourth level</a:t>
+            </a:r>
+          </a:p>
+          <a:p>
+            <a:pPr lvl="4"/>
+            <a:r>
+              <a:rPr lang="en-US" smtClean="0"/>
+              <a:t>Fifth level</a:t>
+            </a:r>
+            <a:endParaRPr lang="en-US" dirty="0"/>
+          </a:p>
+        </p:txBody>
+      </p:sp>
+      <p:sp>
+        <p:nvSpPr>
+          <p:cNvPr id="4" name="Date Placeholder 13"/>
+          <p:cNvSpPr>
+            <a:spLocks noGrp="1"/>
+          </p:cNvSpPr>
+          <p:nvPr>
+            <p:ph type="dt" sz="half" idx="10"/>
+          </p:nvPr>
+        </p:nvSpPr>
+        <p:spPr/>
+        <p:txBody>
+          <a:bodyPr/>
+          <a:lstStyle>
+            <a:lvl1pPr>
+              <a:defRPr/>
+            </a:lvl1pPr>
+          </a:lstStyle>
+          <a:p>
+            <a:fld id="{A48BC6A3-4287-FB41-84FF-1B1578E1764A}" type="datetimeFigureOut">
+              <a:rPr lang="en-US" smtClean="0"/>
+              <a:t>8/17/17</a:t>
             </a:fld>
             <a:endParaRPr lang="en-US"/>
           </a:p>
@@ -2063,58 +2158,24 @@
       </p:sp>
       <p:sp>
         <p:nvSpPr>
-          <p:cNvPr id="8" name="Content Placeholder 7"/>
-          <p:cNvSpPr>
-            <a:spLocks noGrp="1"/>
-          </p:cNvSpPr>
-          <p:nvPr>
-            <p:ph sz="quarter" idx="1"/>
-          </p:nvPr>
-        </p:nvSpPr>
-        <p:spPr>
-          <a:xfrm>
-            <a:off x="612648" y="1600200"/>
-            <a:ext cx="8153400" cy="4495800"/>
-          </a:xfrm>
-        </p:spPr>
-        <p:txBody>
-          <a:bodyPr/>
-          <a:lstStyle/>
-          <a:p>
-            <a:pPr lvl="0" eaLnBrk="1" latinLnBrk="0" hangingPunct="1"/>
-            <a:r>
-              <a:rPr lang="en-US" smtClean="0"/>
-              <a:t>Click to edit Master text styles</a:t>
-            </a:r>
-          </a:p>
-          <a:p>
-            <a:pPr lvl="1" eaLnBrk="1" latinLnBrk="0" hangingPunct="1"/>
-            <a:r>
-              <a:rPr lang="en-US" smtClean="0"/>
-              <a:t>Second level</a:t>
-            </a:r>
-          </a:p>
-          <a:p>
-            <a:pPr lvl="2" eaLnBrk="1" latinLnBrk="0" hangingPunct="1"/>
-            <a:r>
-              <a:rPr lang="en-US" smtClean="0"/>
-              <a:t>Third level</a:t>
-            </a:r>
-          </a:p>
-          <a:p>
-            <a:pPr lvl="3" eaLnBrk="1" latinLnBrk="0" hangingPunct="1"/>
-            <a:r>
-              <a:rPr lang="en-US" smtClean="0"/>
-              <a:t>Fourth level</a:t>
-            </a:r>
-          </a:p>
-          <a:p>
-            <a:pPr lvl="4" eaLnBrk="1" latinLnBrk="0" hangingPunct="1"/>
-            <a:r>
-              <a:rPr lang="en-US" smtClean="0"/>
-              <a:t>Fifth level</a:t>
-            </a:r>
-            <a:endParaRPr kumimoji="0" lang="en-US"/>
+          <p:cNvPr id="5" name="Footer Placeholder 2"/>
+          <p:cNvSpPr>
+            <a:spLocks noGrp="1"/>
+          </p:cNvSpPr>
+          <p:nvPr>
+            <p:ph type="ftr" sz="quarter" idx="11"/>
+          </p:nvPr>
+        </p:nvSpPr>
+        <p:spPr/>
+        <p:txBody>
+          <a:bodyPr/>
+          <a:lstStyle>
+            <a:lvl1pPr>
+              <a:defRPr/>
+            </a:lvl1pPr>
+          </a:lstStyle>
+          <a:p>
+            <a:endParaRPr lang="en-US"/>
           </a:p>
         </p:txBody>
       </p:sp>
@@ -2145,91 +2206,14 @@
       </p:grpSpPr>
       <p:sp>
         <p:nvSpPr>
-          <p:cNvPr id="3" name="Text Placeholder 2"/>
-          <p:cNvSpPr>
-            <a:spLocks noGrp="1"/>
-          </p:cNvSpPr>
-          <p:nvPr>
-            <p:ph type="body" idx="1"/>
-          </p:nvPr>
-        </p:nvSpPr>
-        <p:spPr>
-          <a:xfrm>
-            <a:off x="1371600" y="2743200"/>
-            <a:ext cx="7123113" cy="1673225"/>
-          </a:xfrm>
-        </p:spPr>
-        <p:txBody>
-          <a:bodyPr anchor="t"/>
-          <a:lstStyle>
-            <a:lvl1pPr marL="0" indent="0">
-              <a:buNone/>
-              <a:defRPr sz="2800">
-                <a:solidFill>
-                  <a:schemeClr val="tx2"/>
-                </a:solidFill>
-              </a:defRPr>
-            </a:lvl1pPr>
-            <a:lvl2pPr>
-              <a:buNone/>
-              <a:defRPr sz="1800">
-                <a:solidFill>
-                  <a:schemeClr val="tx1">
-                    <a:tint val="75000"/>
-                  </a:schemeClr>
-                </a:solidFill>
-              </a:defRPr>
-            </a:lvl2pPr>
-            <a:lvl3pPr>
-              <a:buNone/>
-              <a:defRPr sz="1600">
-                <a:solidFill>
-                  <a:schemeClr val="tx1">
-                    <a:tint val="75000"/>
-                  </a:schemeClr>
-                </a:solidFill>
-              </a:defRPr>
-            </a:lvl3pPr>
-            <a:lvl4pPr>
-              <a:buNone/>
-              <a:defRPr sz="1400">
-                <a:solidFill>
-                  <a:schemeClr val="tx1">
-                    <a:tint val="75000"/>
-                  </a:schemeClr>
-                </a:solidFill>
-              </a:defRPr>
-            </a:lvl4pPr>
-            <a:lvl5pPr>
-              <a:buNone/>
-              <a:defRPr sz="1400">
-                <a:solidFill>
-                  <a:schemeClr val="tx1">
-                    <a:tint val="75000"/>
-                  </a:schemeClr>
-                </a:solidFill>
-              </a:defRPr>
-            </a:lvl5pPr>
-          </a:lstStyle>
-          <a:p>
-            <a:pPr lvl="0" eaLnBrk="1" latinLnBrk="0" hangingPunct="1"/>
-            <a:r>
-              <a:rPr kumimoji="0" lang="en-US" smtClean="0"/>
-              <a:t>Click to edit Master text styles</a:t>
-            </a:r>
-          </a:p>
-        </p:txBody>
-      </p:sp>
-      <p:sp>
-        <p:nvSpPr>
-          <p:cNvPr id="7" name="Rectangle 6"/>
+          <p:cNvPr id="4" name="Rectangle 6"/>
           <p:cNvSpPr/>
           <p:nvPr/>
         </p:nvSpPr>
         <p:spPr bwMode="white">
           <a:xfrm>
             <a:off x="0" y="1524000"/>
-            <a:ext cx="9144000" cy="1143000"/>
+            <a:ext cx="12192000" cy="1143000"/>
           </a:xfrm>
           <a:prstGeom prst="rect">
             <a:avLst/>
@@ -2261,21 +2245,29 @@
           <a:bodyPr anchor="ctr"/>
           <a:lstStyle/>
           <a:p>
-            <a:pPr algn="ctr" eaLnBrk="1" latinLnBrk="0" hangingPunct="1"/>
-            <a:endParaRPr kumimoji="0" lang="en-US"/>
-          </a:p>
-        </p:txBody>
-      </p:sp>
-      <p:sp>
-        <p:nvSpPr>
-          <p:cNvPr id="8" name="Rectangle 7"/>
+            <a:pPr algn="ctr" fontAlgn="auto">
+              <a:spcBef>
+                <a:spcPts val="0"/>
+              </a:spcBef>
+              <a:spcAft>
+                <a:spcPts val="0"/>
+              </a:spcAft>
+              <a:defRPr/>
+            </a:pPr>
+            <a:endParaRPr lang="en-US" sz="1350" dirty="0"/>
+          </a:p>
+        </p:txBody>
+      </p:sp>
+      <p:sp>
+        <p:nvSpPr>
+          <p:cNvPr id="5" name="Rectangle 7"/>
           <p:cNvSpPr/>
           <p:nvPr/>
         </p:nvSpPr>
         <p:spPr>
           <a:xfrm>
             <a:off x="0" y="1600200"/>
-            <a:ext cx="1295400" cy="990600"/>
+            <a:ext cx="1727200" cy="990600"/>
           </a:xfrm>
           <a:prstGeom prst="rect">
             <a:avLst/>
@@ -2309,21 +2301,29 @@
           <a:bodyPr anchor="ctr"/>
           <a:lstStyle/>
           <a:p>
-            <a:pPr algn="ctr" eaLnBrk="1" latinLnBrk="0" hangingPunct="1"/>
-            <a:endParaRPr kumimoji="0" lang="en-US"/>
-          </a:p>
-        </p:txBody>
-      </p:sp>
-      <p:sp>
-        <p:nvSpPr>
-          <p:cNvPr id="9" name="Rectangle 8"/>
+            <a:pPr algn="ctr" fontAlgn="auto">
+              <a:spcBef>
+                <a:spcPts val="0"/>
+              </a:spcBef>
+              <a:spcAft>
+                <a:spcPts val="0"/>
+              </a:spcAft>
+              <a:defRPr/>
+            </a:pPr>
+            <a:endParaRPr lang="en-US" sz="1350" dirty="0"/>
+          </a:p>
+        </p:txBody>
+      </p:sp>
+      <p:sp>
+        <p:nvSpPr>
+          <p:cNvPr id="6" name="Rectangle 8"/>
           <p:cNvSpPr/>
           <p:nvPr/>
         </p:nvSpPr>
         <p:spPr>
           <a:xfrm>
-            <a:off x="1371600" y="1600200"/>
-            <a:ext cx="7772400" cy="990600"/>
+            <a:off x="1828800" y="1600200"/>
+            <a:ext cx="10363200" cy="990600"/>
           </a:xfrm>
           <a:prstGeom prst="rect">
             <a:avLst/>
@@ -2357,25 +2357,110 @@
           <a:bodyPr anchor="ctr"/>
           <a:lstStyle/>
           <a:p>
-            <a:pPr algn="ctr" eaLnBrk="1" latinLnBrk="0" hangingPunct="1"/>
-            <a:endParaRPr kumimoji="0" lang="en-US"/>
-          </a:p>
-        </p:txBody>
-      </p:sp>
-      <p:sp>
-        <p:nvSpPr>
-          <p:cNvPr id="2" name="Title 1"/>
-          <p:cNvSpPr>
-            <a:spLocks noGrp="1"/>
-          </p:cNvSpPr>
-          <p:nvPr>
-            <p:ph type="title"/>
+            <a:pPr algn="ctr" fontAlgn="auto">
+              <a:spcBef>
+                <a:spcPts val="0"/>
+              </a:spcBef>
+              <a:spcAft>
+                <a:spcPts val="0"/>
+              </a:spcAft>
+              <a:defRPr/>
+            </a:pPr>
+            <a:endParaRPr lang="en-US" sz="1350" dirty="0"/>
+          </a:p>
+        </p:txBody>
+      </p:sp>
+      <p:sp>
+        <p:nvSpPr>
+          <p:cNvPr id="3" name="Text Placeholder 2"/>
+          <p:cNvSpPr>
+            <a:spLocks noGrp="1"/>
+          </p:cNvSpPr>
+          <p:nvPr>
+            <p:ph type="body" idx="1"/>
           </p:nvPr>
         </p:nvSpPr>
         <p:spPr>
           <a:xfrm>
-            <a:off x="1371600" y="1600200"/>
-            <a:ext cx="7620000" cy="990600"/>
+            <a:off x="1828802" y="2743200"/>
+            <a:ext cx="9497484" cy="1673225"/>
+          </a:xfrm>
+        </p:spPr>
+        <p:txBody>
+          <a:bodyPr/>
+          <a:lstStyle>
+            <a:lvl1pPr marL="0" indent="0">
+              <a:buNone/>
+              <a:defRPr sz="2100">
+                <a:solidFill>
+                  <a:schemeClr val="tx2"/>
+                </a:solidFill>
+              </a:defRPr>
+            </a:lvl1pPr>
+            <a:lvl2pPr>
+              <a:buNone/>
+              <a:defRPr sz="1350">
+                <a:solidFill>
+                  <a:schemeClr val="tx1">
+                    <a:tint val="75000"/>
+                  </a:schemeClr>
+                </a:solidFill>
+              </a:defRPr>
+            </a:lvl2pPr>
+            <a:lvl3pPr>
+              <a:buNone/>
+              <a:defRPr sz="1200">
+                <a:solidFill>
+                  <a:schemeClr val="tx1">
+                    <a:tint val="75000"/>
+                  </a:schemeClr>
+                </a:solidFill>
+              </a:defRPr>
+            </a:lvl3pPr>
+            <a:lvl4pPr>
+              <a:buNone/>
+              <a:defRPr sz="1050">
+                <a:solidFill>
+                  <a:schemeClr val="tx1">
+                    <a:tint val="75000"/>
+                  </a:schemeClr>
+                </a:solidFill>
+              </a:defRPr>
+            </a:lvl4pPr>
+            <a:lvl5pPr>
+              <a:buNone/>
+              <a:defRPr sz="1050">
+                <a:solidFill>
+                  <a:schemeClr val="tx1">
+                    <a:tint val="75000"/>
+                  </a:schemeClr>
+                </a:solidFill>
+              </a:defRPr>
+            </a:lvl5pPr>
+          </a:lstStyle>
+          <a:p>
+            <a:pPr lvl="0"/>
+            <a:r>
+              <a:rPr lang="en-US" smtClean="0"/>
+              <a:t>Click to edit Master text styles</a:t>
+            </a:r>
+          </a:p>
+        </p:txBody>
+      </p:sp>
+      <p:sp>
+        <p:nvSpPr>
+          <p:cNvPr id="2" name="Title 1"/>
+          <p:cNvSpPr>
+            <a:spLocks noGrp="1"/>
+          </p:cNvSpPr>
+          <p:nvPr>
+            <p:ph type="title"/>
+          </p:nvPr>
+        </p:nvSpPr>
+        <p:spPr>
+          <a:xfrm>
+            <a:off x="1828800" y="1600200"/>
+            <a:ext cx="10160000" cy="990600"/>
           </a:xfrm>
         </p:spPr>
         <p:txBody>
@@ -2383,7 +2468,7 @@
           <a:lstStyle>
             <a:lvl1pPr algn="l">
               <a:buNone/>
-              <a:defRPr sz="4400" b="0" cap="none">
+              <a:defRPr sz="3300" b="0" cap="none">
                 <a:solidFill>
                   <a:srgbClr val="FFFFFF"/>
                 </a:solidFill>
@@ -2392,16 +2477,16 @@
           </a:lstStyle>
           <a:p>
             <a:r>
-              <a:rPr kumimoji="0" lang="en-US" smtClean="0"/>
+              <a:rPr lang="en-US" smtClean="0"/>
               <a:t>Click to edit Master title style</a:t>
             </a:r>
-            <a:endParaRPr kumimoji="0" lang="en-US"/>
-          </a:p>
-        </p:txBody>
-      </p:sp>
-      <p:sp>
-        <p:nvSpPr>
-          <p:cNvPr id="12" name="Date Placeholder 11"/>
+            <a:endParaRPr lang="en-US" dirty="0"/>
+          </a:p>
+        </p:txBody>
+      </p:sp>
+      <p:sp>
+        <p:nvSpPr>
+          <p:cNvPr id="7" name="Date Placeholder 11"/>
           <p:cNvSpPr>
             <a:spLocks noGrp="1"/>
           </p:cNvSpPr>
@@ -2412,11 +2497,15 @@
         <p:spPr/>
         <p:txBody>
           <a:bodyPr/>
-          <a:lstStyle/>
+          <a:lstStyle>
+            <a:lvl1pPr>
+              <a:defRPr/>
+            </a:lvl1pPr>
+          </a:lstStyle>
           <a:p>
             <a:fld id="{A48BC6A3-4287-FB41-84FF-1B1578E1764A}" type="datetimeFigureOut">
               <a:rPr lang="en-US" smtClean="0"/>
-              <a:t>10/10/16</a:t>
+              <a:t>8/17/17</a:t>
             </a:fld>
             <a:endParaRPr lang="en-US"/>
           </a:p>
@@ -2424,56 +2513,22 @@
       </p:sp>
       <p:sp>
         <p:nvSpPr>
-          <p:cNvPr id="13" name="Slide Number Placeholder 12"/>
-          <p:cNvSpPr>
-            <a:spLocks noGrp="1"/>
-          </p:cNvSpPr>
-          <p:nvPr>
-            <p:ph type="sldNum" sz="quarter" idx="11"/>
-          </p:nvPr>
-        </p:nvSpPr>
-        <p:spPr>
-          <a:xfrm>
-            <a:off x="0" y="1752600"/>
-            <a:ext cx="1295400" cy="701676"/>
-          </a:xfrm>
-        </p:spPr>
-        <p:txBody>
-          <a:bodyPr>
-            <a:noAutofit/>
-          </a:bodyPr>
+          <p:cNvPr id="9" name="Footer Placeholder 13"/>
+          <p:cNvSpPr>
+            <a:spLocks noGrp="1"/>
+          </p:cNvSpPr>
+          <p:nvPr>
+            <p:ph type="ftr" sz="quarter" idx="12"/>
+          </p:nvPr>
+        </p:nvSpPr>
+        <p:spPr/>
+        <p:txBody>
+          <a:bodyPr/>
           <a:lstStyle>
             <a:lvl1pPr>
-              <a:defRPr sz="2400">
-                <a:solidFill>
-                  <a:srgbClr val="FFFFFF"/>
-                </a:solidFill>
-              </a:defRPr>
+              <a:defRPr/>
             </a:lvl1pPr>
           </a:lstStyle>
-          <a:p>
-            <a:fld id="{F46E0E8F-E880-574A-B851-02BD22F8A2F8}" type="slidenum">
-              <a:rPr lang="en-US" smtClean="0"/>
-              <a:t>‹#›</a:t>
-            </a:fld>
-            <a:endParaRPr lang="en-US"/>
-          </a:p>
-        </p:txBody>
-      </p:sp>
-      <p:sp>
-        <p:nvSpPr>
-          <p:cNvPr id="14" name="Footer Placeholder 13"/>
-          <p:cNvSpPr>
-            <a:spLocks noGrp="1"/>
-          </p:cNvSpPr>
-          <p:nvPr>
-            <p:ph type="ftr" sz="quarter" idx="12"/>
-          </p:nvPr>
-        </p:nvSpPr>
-        <p:spPr/>
-        <p:txBody>
-          <a:bodyPr/>
-          <a:lstStyle/>
           <a:p>
             <a:endParaRPr lang="en-US"/>
           </a:p>
@@ -2517,13 +2572,21 @@
         <p:spPr/>
         <p:txBody>
           <a:bodyPr/>
-          <a:lstStyle/>
-          <a:p>
-            <a:r>
-              <a:rPr kumimoji="0" lang="en-US" smtClean="0"/>
+          <a:lstStyle>
+            <a:lvl1pPr>
+              <a:defRPr b="0" i="0">
+                <a:latin typeface="Helvetica Neue Light" charset="0"/>
+                <a:ea typeface="Helvetica Neue Light" charset="0"/>
+                <a:cs typeface="Helvetica Neue Light" charset="0"/>
+              </a:defRPr>
+            </a:lvl1pPr>
+          </a:lstStyle>
+          <a:p>
+            <a:r>
+              <a:rPr lang="en-US" smtClean="0"/>
               <a:t>Click to edit Master title style</a:t>
             </a:r>
-            <a:endParaRPr kumimoji="0" lang="en-US"/>
+            <a:endParaRPr lang="en-US" dirty="0"/>
           </a:p>
         </p:txBody>
       </p:sp>
@@ -2539,48 +2602,84 @@
         </p:nvSpPr>
         <p:spPr>
           <a:xfrm>
-            <a:off x="609600" y="1589567"/>
-            <a:ext cx="3886200" cy="4572000"/>
+            <a:off x="812800" y="1589567"/>
+            <a:ext cx="5181600" cy="4572000"/>
           </a:xfrm>
         </p:spPr>
         <p:txBody>
           <a:bodyPr/>
-          <a:lstStyle/>
-          <a:p>
-            <a:pPr lvl="0" eaLnBrk="1" latinLnBrk="0" hangingPunct="1"/>
+          <a:lstStyle>
+            <a:lvl1pPr>
+              <a:defRPr b="0" i="0">
+                <a:latin typeface="Helvetica Neue Light" charset="0"/>
+                <a:ea typeface="Helvetica Neue Light" charset="0"/>
+                <a:cs typeface="Helvetica Neue Light" charset="0"/>
+              </a:defRPr>
+            </a:lvl1pPr>
+            <a:lvl2pPr>
+              <a:defRPr b="0" i="0">
+                <a:latin typeface="Helvetica Neue Light" charset="0"/>
+                <a:ea typeface="Helvetica Neue Light" charset="0"/>
+                <a:cs typeface="Helvetica Neue Light" charset="0"/>
+              </a:defRPr>
+            </a:lvl2pPr>
+            <a:lvl3pPr>
+              <a:defRPr b="0" i="0">
+                <a:latin typeface="Helvetica Neue Light" charset="0"/>
+                <a:ea typeface="Helvetica Neue Light" charset="0"/>
+                <a:cs typeface="Helvetica Neue Light" charset="0"/>
+              </a:defRPr>
+            </a:lvl3pPr>
+            <a:lvl4pPr>
+              <a:defRPr b="0" i="0">
+                <a:latin typeface="Helvetica Neue Light" charset="0"/>
+                <a:ea typeface="Helvetica Neue Light" charset="0"/>
+                <a:cs typeface="Helvetica Neue Light" charset="0"/>
+              </a:defRPr>
+            </a:lvl4pPr>
+            <a:lvl5pPr>
+              <a:defRPr b="0" i="0">
+                <a:latin typeface="Helvetica Neue Light" charset="0"/>
+                <a:ea typeface="Helvetica Neue Light" charset="0"/>
+                <a:cs typeface="Helvetica Neue Light" charset="0"/>
+              </a:defRPr>
+            </a:lvl5pPr>
+          </a:lstStyle>
+          <a:p>
+            <a:pPr lvl="0"/>
             <a:r>
               <a:rPr lang="en-US" smtClean="0"/>
               <a:t>Click to edit Master text styles</a:t>
             </a:r>
           </a:p>
           <a:p>
-            <a:pPr lvl="1" eaLnBrk="1" latinLnBrk="0" hangingPunct="1"/>
+            <a:pPr lvl="1"/>
             <a:r>
               <a:rPr lang="en-US" smtClean="0"/>
               <a:t>Second level</a:t>
             </a:r>
           </a:p>
           <a:p>
-            <a:pPr lvl="2" eaLnBrk="1" latinLnBrk="0" hangingPunct="1"/>
+            <a:pPr lvl="2"/>
             <a:r>
               <a:rPr lang="en-US" smtClean="0"/>
               <a:t>Third level</a:t>
             </a:r>
           </a:p>
           <a:p>
-            <a:pPr lvl="3" eaLnBrk="1" latinLnBrk="0" hangingPunct="1"/>
+            <a:pPr lvl="3"/>
             <a:r>
               <a:rPr lang="en-US" smtClean="0"/>
               <a:t>Fourth level</a:t>
             </a:r>
           </a:p>
           <a:p>
-            <a:pPr lvl="4" eaLnBrk="1" latinLnBrk="0" hangingPunct="1"/>
+            <a:pPr lvl="4"/>
             <a:r>
               <a:rPr lang="en-US" smtClean="0"/>
               <a:t>Fifth level</a:t>
             </a:r>
-            <a:endParaRPr kumimoji="0" lang="en-US"/>
+            <a:endParaRPr lang="en-US" dirty="0"/>
           </a:p>
         </p:txBody>
       </p:sp>
@@ -2596,69 +2695,109 @@
         </p:nvSpPr>
         <p:spPr>
           <a:xfrm>
-            <a:off x="4844901" y="1589567"/>
-            <a:ext cx="3886200" cy="4572000"/>
+            <a:off x="6459868" y="1589567"/>
+            <a:ext cx="5181600" cy="4572000"/>
           </a:xfrm>
         </p:spPr>
         <p:txBody>
           <a:bodyPr/>
-          <a:lstStyle/>
-          <a:p>
-            <a:pPr lvl="0" eaLnBrk="1" latinLnBrk="0" hangingPunct="1"/>
+          <a:lstStyle>
+            <a:lvl1pPr>
+              <a:defRPr b="0" i="0">
+                <a:latin typeface="Helvetica Neue Light" charset="0"/>
+                <a:ea typeface="Helvetica Neue Light" charset="0"/>
+                <a:cs typeface="Helvetica Neue Light" charset="0"/>
+              </a:defRPr>
+            </a:lvl1pPr>
+            <a:lvl2pPr>
+              <a:defRPr b="0" i="0">
+                <a:latin typeface="Helvetica Neue Light" charset="0"/>
+                <a:ea typeface="Helvetica Neue Light" charset="0"/>
+                <a:cs typeface="Helvetica Neue Light" charset="0"/>
+              </a:defRPr>
+            </a:lvl2pPr>
+            <a:lvl3pPr>
+              <a:defRPr b="0" i="0">
+                <a:latin typeface="Helvetica Neue Light" charset="0"/>
+                <a:ea typeface="Helvetica Neue Light" charset="0"/>
+                <a:cs typeface="Helvetica Neue Light" charset="0"/>
+              </a:defRPr>
+            </a:lvl3pPr>
+            <a:lvl4pPr>
+              <a:defRPr b="0" i="0">
+                <a:latin typeface="Helvetica Neue Light" charset="0"/>
+                <a:ea typeface="Helvetica Neue Light" charset="0"/>
+                <a:cs typeface="Helvetica Neue Light" charset="0"/>
+              </a:defRPr>
+            </a:lvl4pPr>
+            <a:lvl5pPr>
+              <a:defRPr b="0" i="0">
+                <a:latin typeface="Helvetica Neue Light" charset="0"/>
+                <a:ea typeface="Helvetica Neue Light" charset="0"/>
+                <a:cs typeface="Helvetica Neue Light" charset="0"/>
+              </a:defRPr>
+            </a:lvl5pPr>
+          </a:lstStyle>
+          <a:p>
+            <a:pPr lvl="0"/>
             <a:r>
               <a:rPr lang="en-US" smtClean="0"/>
               <a:t>Click to edit Master text styles</a:t>
             </a:r>
           </a:p>
           <a:p>
-            <a:pPr lvl="1" eaLnBrk="1" latinLnBrk="0" hangingPunct="1"/>
+            <a:pPr lvl="1"/>
             <a:r>
               <a:rPr lang="en-US" smtClean="0"/>
               <a:t>Second level</a:t>
             </a:r>
           </a:p>
           <a:p>
-            <a:pPr lvl="2" eaLnBrk="1" latinLnBrk="0" hangingPunct="1"/>
+            <a:pPr lvl="2"/>
             <a:r>
               <a:rPr lang="en-US" smtClean="0"/>
               <a:t>Third level</a:t>
             </a:r>
           </a:p>
           <a:p>
-            <a:pPr lvl="3" eaLnBrk="1" latinLnBrk="0" hangingPunct="1"/>
+            <a:pPr lvl="3"/>
             <a:r>
               <a:rPr lang="en-US" smtClean="0"/>
               <a:t>Fourth level</a:t>
             </a:r>
           </a:p>
           <a:p>
-            <a:pPr lvl="4" eaLnBrk="1" latinLnBrk="0" hangingPunct="1"/>
+            <a:pPr lvl="4"/>
             <a:r>
               <a:rPr lang="en-US" smtClean="0"/>
               <a:t>Fifth level</a:t>
             </a:r>
-            <a:endParaRPr kumimoji="0" lang="en-US"/>
-          </a:p>
-        </p:txBody>
-      </p:sp>
-      <p:sp>
-        <p:nvSpPr>
-          <p:cNvPr id="8" name="Date Placeholder 7"/>
-          <p:cNvSpPr>
-            <a:spLocks noGrp="1"/>
-          </p:cNvSpPr>
-          <p:nvPr>
-            <p:ph type="dt" sz="half" idx="15"/>
+            <a:endParaRPr lang="en-US" dirty="0"/>
+          </a:p>
+        </p:txBody>
+      </p:sp>
+      <p:sp>
+        <p:nvSpPr>
+          <p:cNvPr id="5" name="Date Placeholder 7"/>
+          <p:cNvSpPr>
+            <a:spLocks noGrp="1"/>
+          </p:cNvSpPr>
+          <p:nvPr>
+            <p:ph type="dt" sz="half" idx="10"/>
           </p:nvPr>
         </p:nvSpPr>
         <p:spPr/>
         <p:txBody>
           <a:bodyPr rtlCol="0"/>
-          <a:lstStyle/>
+          <a:lstStyle>
+            <a:lvl1pPr>
+              <a:defRPr/>
+            </a:lvl1pPr>
+          </a:lstStyle>
           <a:p>
             <a:fld id="{A48BC6A3-4287-FB41-84FF-1B1578E1764A}" type="datetimeFigureOut">
               <a:rPr lang="en-US" smtClean="0"/>
-              <a:t>10/10/16</a:t>
+              <a:t>8/17/17</a:t>
             </a:fld>
             <a:endParaRPr lang="en-US"/>
           </a:p>
@@ -2666,41 +2805,22 @@
       </p:sp>
       <p:sp>
         <p:nvSpPr>
-          <p:cNvPr id="10" name="Slide Number Placeholder 9"/>
-          <p:cNvSpPr>
-            <a:spLocks noGrp="1"/>
-          </p:cNvSpPr>
-          <p:nvPr>
-            <p:ph type="sldNum" sz="quarter" idx="16"/>
+          <p:cNvPr id="7" name="Footer Placeholder 11"/>
+          <p:cNvSpPr>
+            <a:spLocks noGrp="1"/>
+          </p:cNvSpPr>
+          <p:nvPr>
+            <p:ph type="ftr" sz="quarter" idx="12"/>
           </p:nvPr>
         </p:nvSpPr>
         <p:spPr/>
         <p:txBody>
           <a:bodyPr rtlCol="0"/>
-          <a:lstStyle/>
-          <a:p>
-            <a:fld id="{F46E0E8F-E880-574A-B851-02BD22F8A2F8}" type="slidenum">
-              <a:rPr lang="en-US" smtClean="0"/>
-              <a:t>‹#›</a:t>
-            </a:fld>
-            <a:endParaRPr lang="en-US"/>
-          </a:p>
-        </p:txBody>
-      </p:sp>
-      <p:sp>
-        <p:nvSpPr>
-          <p:cNvPr id="12" name="Footer Placeholder 11"/>
-          <p:cNvSpPr>
-            <a:spLocks noGrp="1"/>
-          </p:cNvSpPr>
-          <p:nvPr>
-            <p:ph type="ftr" sz="quarter" idx="17"/>
-          </p:nvPr>
-        </p:nvSpPr>
-        <p:spPr/>
-        <p:txBody>
-          <a:bodyPr rtlCol="0"/>
-          <a:lstStyle/>
+          <a:lstStyle>
+            <a:lvl1pPr>
+              <a:defRPr/>
+            </a:lvl1pPr>
+          </a:lstStyle>
           <a:p>
             <a:endParaRPr lang="en-US"/>
           </a:p>
@@ -2743,12 +2863,12 @@
         </p:nvSpPr>
         <p:spPr>
           <a:xfrm>
-            <a:off x="533400" y="273050"/>
-            <a:ext cx="8153400" cy="869950"/>
+            <a:off x="711200" y="273050"/>
+            <a:ext cx="10871200" cy="869950"/>
           </a:xfrm>
         </p:spPr>
         <p:txBody>
-          <a:bodyPr anchor="ctr"/>
+          <a:bodyPr/>
           <a:lstStyle>
             <a:lvl1pPr>
               <a:defRPr/>
@@ -2756,10 +2876,10 @@
           </a:lstStyle>
           <a:p>
             <a:r>
-              <a:rPr kumimoji="0" lang="en-US" smtClean="0"/>
+              <a:rPr lang="en-US" smtClean="0"/>
               <a:t>Click to edit Master title style</a:t>
             </a:r>
-            <a:endParaRPr kumimoji="0" lang="en-US"/>
+            <a:endParaRPr lang="en-US"/>
           </a:p>
         </p:txBody>
       </p:sp>
@@ -2775,48 +2895,84 @@
         </p:nvSpPr>
         <p:spPr>
           <a:xfrm>
-            <a:off x="609600" y="2438400"/>
-            <a:ext cx="3886200" cy="3581400"/>
+            <a:off x="812800" y="2438400"/>
+            <a:ext cx="5181600" cy="3581400"/>
           </a:xfrm>
         </p:spPr>
         <p:txBody>
           <a:bodyPr/>
-          <a:lstStyle/>
-          <a:p>
-            <a:pPr lvl="0" eaLnBrk="1" latinLnBrk="0" hangingPunct="1"/>
+          <a:lstStyle>
+            <a:lvl1pPr>
+              <a:defRPr b="0" i="0">
+                <a:latin typeface="Helvetica Neue Light" charset="0"/>
+                <a:ea typeface="Helvetica Neue Light" charset="0"/>
+                <a:cs typeface="Helvetica Neue Light" charset="0"/>
+              </a:defRPr>
+            </a:lvl1pPr>
+            <a:lvl2pPr>
+              <a:defRPr b="0" i="0">
+                <a:latin typeface="Helvetica Neue Light" charset="0"/>
+                <a:ea typeface="Helvetica Neue Light" charset="0"/>
+                <a:cs typeface="Helvetica Neue Light" charset="0"/>
+              </a:defRPr>
+            </a:lvl2pPr>
+            <a:lvl3pPr>
+              <a:defRPr b="0" i="0">
+                <a:latin typeface="Helvetica Neue Light" charset="0"/>
+                <a:ea typeface="Helvetica Neue Light" charset="0"/>
+                <a:cs typeface="Helvetica Neue Light" charset="0"/>
+              </a:defRPr>
+            </a:lvl3pPr>
+            <a:lvl4pPr>
+              <a:defRPr b="0" i="0">
+                <a:latin typeface="Helvetica Neue Light" charset="0"/>
+                <a:ea typeface="Helvetica Neue Light" charset="0"/>
+                <a:cs typeface="Helvetica Neue Light" charset="0"/>
+              </a:defRPr>
+            </a:lvl4pPr>
+            <a:lvl5pPr>
+              <a:defRPr b="0" i="0">
+                <a:latin typeface="Helvetica Neue Light" charset="0"/>
+                <a:ea typeface="Helvetica Neue Light" charset="0"/>
+                <a:cs typeface="Helvetica Neue Light" charset="0"/>
+              </a:defRPr>
+            </a:lvl5pPr>
+          </a:lstStyle>
+          <a:p>
+            <a:pPr lvl="0"/>
             <a:r>
               <a:rPr lang="en-US" smtClean="0"/>
               <a:t>Click to edit Master text styles</a:t>
             </a:r>
           </a:p>
           <a:p>
-            <a:pPr lvl="1" eaLnBrk="1" latinLnBrk="0" hangingPunct="1"/>
+            <a:pPr lvl="1"/>
             <a:r>
               <a:rPr lang="en-US" smtClean="0"/>
               <a:t>Second level</a:t>
             </a:r>
           </a:p>
           <a:p>
-            <a:pPr lvl="2" eaLnBrk="1" latinLnBrk="0" hangingPunct="1"/>
+            <a:pPr lvl="2"/>
             <a:r>
               <a:rPr lang="en-US" smtClean="0"/>
               <a:t>Third level</a:t>
             </a:r>
           </a:p>
           <a:p>
-            <a:pPr lvl="3" eaLnBrk="1" latinLnBrk="0" hangingPunct="1"/>
+            <a:pPr lvl="3"/>
             <a:r>
               <a:rPr lang="en-US" smtClean="0"/>
               <a:t>Fourth level</a:t>
             </a:r>
           </a:p>
           <a:p>
-            <a:pPr lvl="4" eaLnBrk="1" latinLnBrk="0" hangingPunct="1"/>
+            <a:pPr lvl="4"/>
             <a:r>
               <a:rPr lang="en-US" smtClean="0"/>
               <a:t>Fifth level</a:t>
             </a:r>
-            <a:endParaRPr kumimoji="0" lang="en-US"/>
+            <a:endParaRPr lang="en-US" dirty="0"/>
           </a:p>
         </p:txBody>
       </p:sp>
@@ -2832,113 +2988,84 @@
         </p:nvSpPr>
         <p:spPr>
           <a:xfrm>
-            <a:off x="4800600" y="2438400"/>
-            <a:ext cx="3886200" cy="3581400"/>
+            <a:off x="6400800" y="2438400"/>
+            <a:ext cx="5181600" cy="3581400"/>
           </a:xfrm>
         </p:spPr>
         <p:txBody>
           <a:bodyPr/>
-          <a:lstStyle/>
-          <a:p>
-            <a:pPr lvl="0" eaLnBrk="1" latinLnBrk="0" hangingPunct="1"/>
+          <a:lstStyle>
+            <a:lvl1pPr>
+              <a:defRPr b="0" i="0">
+                <a:latin typeface="Helvetica Neue Light" charset="0"/>
+                <a:ea typeface="Helvetica Neue Light" charset="0"/>
+                <a:cs typeface="Helvetica Neue Light" charset="0"/>
+              </a:defRPr>
+            </a:lvl1pPr>
+            <a:lvl2pPr>
+              <a:defRPr b="0" i="0">
+                <a:latin typeface="Helvetica Neue Light" charset="0"/>
+                <a:ea typeface="Helvetica Neue Light" charset="0"/>
+                <a:cs typeface="Helvetica Neue Light" charset="0"/>
+              </a:defRPr>
+            </a:lvl2pPr>
+            <a:lvl3pPr>
+              <a:defRPr b="0" i="0">
+                <a:latin typeface="Helvetica Neue Light" charset="0"/>
+                <a:ea typeface="Helvetica Neue Light" charset="0"/>
+                <a:cs typeface="Helvetica Neue Light" charset="0"/>
+              </a:defRPr>
+            </a:lvl3pPr>
+            <a:lvl4pPr>
+              <a:defRPr b="0" i="0">
+                <a:latin typeface="Helvetica Neue Light" charset="0"/>
+                <a:ea typeface="Helvetica Neue Light" charset="0"/>
+                <a:cs typeface="Helvetica Neue Light" charset="0"/>
+              </a:defRPr>
+            </a:lvl4pPr>
+            <a:lvl5pPr>
+              <a:defRPr b="0" i="0">
+                <a:latin typeface="Helvetica Neue Light" charset="0"/>
+                <a:ea typeface="Helvetica Neue Light" charset="0"/>
+                <a:cs typeface="Helvetica Neue Light" charset="0"/>
+              </a:defRPr>
+            </a:lvl5pPr>
+          </a:lstStyle>
+          <a:p>
+            <a:pPr lvl="0"/>
             <a:r>
               <a:rPr lang="en-US" smtClean="0"/>
               <a:t>Click to edit Master text styles</a:t>
             </a:r>
           </a:p>
           <a:p>
-            <a:pPr lvl="1" eaLnBrk="1" latinLnBrk="0" hangingPunct="1"/>
+            <a:pPr lvl="1"/>
             <a:r>
               <a:rPr lang="en-US" smtClean="0"/>
               <a:t>Second level</a:t>
             </a:r>
           </a:p>
           <a:p>
-            <a:pPr lvl="2" eaLnBrk="1" latinLnBrk="0" hangingPunct="1"/>
+            <a:pPr lvl="2"/>
             <a:r>
               <a:rPr lang="en-US" smtClean="0"/>
               <a:t>Third level</a:t>
             </a:r>
           </a:p>
           <a:p>
-            <a:pPr lvl="3" eaLnBrk="1" latinLnBrk="0" hangingPunct="1"/>
+            <a:pPr lvl="3"/>
             <a:r>
               <a:rPr lang="en-US" smtClean="0"/>
               <a:t>Fourth level</a:t>
             </a:r>
           </a:p>
           <a:p>
-            <a:pPr lvl="4" eaLnBrk="1" latinLnBrk="0" hangingPunct="1"/>
+            <a:pPr lvl="4"/>
             <a:r>
               <a:rPr lang="en-US" smtClean="0"/>
               <a:t>Fifth level</a:t>
             </a:r>
-            <a:endParaRPr kumimoji="0" lang="en-US"/>
-          </a:p>
-        </p:txBody>
-      </p:sp>
-      <p:sp>
-        <p:nvSpPr>
-          <p:cNvPr id="10" name="Date Placeholder 9"/>
-          <p:cNvSpPr>
-            <a:spLocks noGrp="1"/>
-          </p:cNvSpPr>
-          <p:nvPr>
-            <p:ph type="dt" sz="half" idx="15"/>
-          </p:nvPr>
-        </p:nvSpPr>
-        <p:spPr/>
-        <p:txBody>
-          <a:bodyPr rtlCol="0"/>
-          <a:lstStyle/>
-          <a:p>
-            <a:fld id="{A48BC6A3-4287-FB41-84FF-1B1578E1764A}" type="datetimeFigureOut">
-              <a:rPr lang="en-US" smtClean="0"/>
-              <a:t>10/10/16</a:t>
-            </a:fld>
-            <a:endParaRPr lang="en-US"/>
-          </a:p>
-        </p:txBody>
-      </p:sp>
-      <p:sp>
-        <p:nvSpPr>
-          <p:cNvPr id="12" name="Slide Number Placeholder 11"/>
-          <p:cNvSpPr>
-            <a:spLocks noGrp="1"/>
-          </p:cNvSpPr>
-          <p:nvPr>
-            <p:ph type="sldNum" sz="quarter" idx="16"/>
-          </p:nvPr>
-        </p:nvSpPr>
-        <p:spPr/>
-        <p:txBody>
-          <a:bodyPr rtlCol="0"/>
-          <a:lstStyle/>
-          <a:p>
-            <a:fld id="{F46E0E8F-E880-574A-B851-02BD22F8A2F8}" type="slidenum">
-              <a:rPr lang="en-US" smtClean="0"/>
-              <a:t>‹#›</a:t>
-            </a:fld>
-            <a:endParaRPr lang="en-US"/>
-          </a:p>
-        </p:txBody>
-      </p:sp>
-      <p:sp>
-        <p:nvSpPr>
-          <p:cNvPr id="14" name="Footer Placeholder 13"/>
-          <p:cNvSpPr>
-            <a:spLocks noGrp="1"/>
-          </p:cNvSpPr>
-          <p:nvPr>
-            <p:ph type="ftr" sz="quarter" idx="17"/>
-          </p:nvPr>
-        </p:nvSpPr>
-        <p:spPr/>
-        <p:txBody>
-          <a:bodyPr rtlCol="0"/>
-          <a:lstStyle/>
-          <a:p>
-            <a:endParaRPr lang="en-US"/>
+            <a:endParaRPr lang="en-US" dirty="0"/>
           </a:p>
         </p:txBody>
       </p:sp>
@@ -2954,8 +3081,8 @@
         </p:nvSpPr>
         <p:spPr>
           <a:xfrm>
-            <a:off x="609600" y="1752600"/>
-            <a:ext cx="3886200" cy="640080"/>
+            <a:off x="812800" y="1752600"/>
+            <a:ext cx="5181600" cy="640080"/>
           </a:xfrm>
           <a:solidFill>
             <a:schemeClr val="accent2"/>
@@ -2967,17 +3094,20 @@
             <a:lvl1pPr marL="0" indent="0">
               <a:buFontTx/>
               <a:buNone/>
-              <a:defRPr sz="2000" b="1">
+              <a:defRPr sz="1500" b="0" i="0">
                 <a:solidFill>
                   <a:srgbClr val="FFFFFF"/>
                 </a:solidFill>
+                <a:latin typeface="Helvetica Neue Light" charset="0"/>
+                <a:ea typeface="Helvetica Neue Light" charset="0"/>
+                <a:cs typeface="Helvetica Neue Light" charset="0"/>
               </a:defRPr>
             </a:lvl1pPr>
           </a:lstStyle>
           <a:p>
-            <a:pPr lvl="0" eaLnBrk="1" latinLnBrk="0" hangingPunct="1"/>
-            <a:r>
-              <a:rPr kumimoji="0" lang="en-US" smtClean="0"/>
+            <a:pPr lvl="0"/>
+            <a:r>
+              <a:rPr lang="en-US" smtClean="0"/>
               <a:t>Click to edit Master text styles</a:t>
             </a:r>
           </a:p>
@@ -2995,8 +3125,8 @@
         </p:nvSpPr>
         <p:spPr>
           <a:xfrm>
-            <a:off x="4800600" y="1752600"/>
-            <a:ext cx="3886200" cy="640080"/>
+            <a:off x="6400800" y="1752600"/>
+            <a:ext cx="5181600" cy="640080"/>
           </a:xfrm>
           <a:solidFill>
             <a:schemeClr val="accent4"/>
@@ -3008,19 +3138,72 @@
             <a:lvl1pPr marL="0" indent="0">
               <a:buFontTx/>
               <a:buNone/>
-              <a:defRPr sz="2000" b="1">
+              <a:defRPr sz="1500" b="0" i="0">
                 <a:solidFill>
                   <a:srgbClr val="FFFFFF"/>
                 </a:solidFill>
+                <a:latin typeface="Helvetica Neue Light" charset="0"/>
+                <a:ea typeface="Helvetica Neue Light" charset="0"/>
+                <a:cs typeface="Helvetica Neue Light" charset="0"/>
               </a:defRPr>
             </a:lvl1pPr>
           </a:lstStyle>
           <a:p>
-            <a:pPr lvl="0" eaLnBrk="1" latinLnBrk="0" hangingPunct="1"/>
-            <a:r>
-              <a:rPr kumimoji="0" lang="en-US" smtClean="0"/>
+            <a:pPr lvl="0"/>
+            <a:r>
+              <a:rPr lang="en-US" smtClean="0"/>
               <a:t>Click to edit Master text styles</a:t>
             </a:r>
+          </a:p>
+        </p:txBody>
+      </p:sp>
+      <p:sp>
+        <p:nvSpPr>
+          <p:cNvPr id="7" name="Date Placeholder 9"/>
+          <p:cNvSpPr>
+            <a:spLocks noGrp="1"/>
+          </p:cNvSpPr>
+          <p:nvPr>
+            <p:ph type="dt" sz="half" idx="10"/>
+          </p:nvPr>
+        </p:nvSpPr>
+        <p:spPr/>
+        <p:txBody>
+          <a:bodyPr rtlCol="0"/>
+          <a:lstStyle>
+            <a:lvl1pPr>
+              <a:defRPr/>
+            </a:lvl1pPr>
+          </a:lstStyle>
+          <a:p>
+            <a:fld id="{A48BC6A3-4287-FB41-84FF-1B1578E1764A}" type="datetimeFigureOut">
+              <a:rPr lang="en-US" smtClean="0"/>
+              <a:t>8/17/17</a:t>
+            </a:fld>
+            <a:endParaRPr lang="en-US"/>
+          </a:p>
+        </p:txBody>
+      </p:sp>
+      <p:sp>
+        <p:nvSpPr>
+          <p:cNvPr id="9" name="Footer Placeholder 13"/>
+          <p:cNvSpPr>
+            <a:spLocks noGrp="1"/>
+          </p:cNvSpPr>
+          <p:nvPr>
+            <p:ph type="ftr" sz="quarter" idx="12"/>
+          </p:nvPr>
+        </p:nvSpPr>
+        <p:spPr/>
+        <p:txBody>
+          <a:bodyPr rtlCol="0"/>
+          <a:lstStyle>
+            <a:lvl1pPr>
+              <a:defRPr/>
+            </a:lvl1pPr>
+          </a:lstStyle>
+          <a:p>
+            <a:endParaRPr lang="en-US"/>
           </a:p>
         </p:txBody>
       </p:sp>
@@ -3065,16 +3248,16 @@
           <a:lstStyle/>
           <a:p>
             <a:r>
-              <a:rPr kumimoji="0" lang="en-US" smtClean="0"/>
+              <a:rPr lang="en-US" smtClean="0"/>
               <a:t>Click to edit Master title style</a:t>
             </a:r>
-            <a:endParaRPr kumimoji="0" lang="en-US"/>
-          </a:p>
-        </p:txBody>
-      </p:sp>
-      <p:sp>
-        <p:nvSpPr>
-          <p:cNvPr id="3" name="Date Placeholder 2"/>
+            <a:endParaRPr lang="en-US" dirty="0"/>
+          </a:p>
+        </p:txBody>
+      </p:sp>
+      <p:sp>
+        <p:nvSpPr>
+          <p:cNvPr id="3" name="Date Placeholder 13"/>
           <p:cNvSpPr>
             <a:spLocks noGrp="1"/>
           </p:cNvSpPr>
@@ -3085,11 +3268,15 @@
         <p:spPr/>
         <p:txBody>
           <a:bodyPr/>
-          <a:lstStyle/>
+          <a:lstStyle>
+            <a:lvl1pPr>
+              <a:defRPr/>
+            </a:lvl1pPr>
+          </a:lstStyle>
           <a:p>
             <a:fld id="{A48BC6A3-4287-FB41-84FF-1B1578E1764A}" type="datetimeFigureOut">
               <a:rPr lang="en-US" smtClean="0"/>
-              <a:t>10/10/16</a:t>
+              <a:t>8/17/17</a:t>
             </a:fld>
             <a:endParaRPr lang="en-US"/>
           </a:p>
@@ -3097,31 +3284,12 @@
       </p:sp>
       <p:sp>
         <p:nvSpPr>
-          <p:cNvPr id="4" name="Footer Placeholder 3"/>
+          <p:cNvPr id="4" name="Footer Placeholder 2"/>
           <p:cNvSpPr>
             <a:spLocks noGrp="1"/>
           </p:cNvSpPr>
           <p:nvPr>
             <p:ph type="ftr" sz="quarter" idx="11"/>
-          </p:nvPr>
-        </p:nvSpPr>
-        <p:spPr/>
-        <p:txBody>
-          <a:bodyPr/>
-          <a:lstStyle/>
-          <a:p>
-            <a:endParaRPr lang="en-US"/>
-          </a:p>
-        </p:txBody>
-      </p:sp>
-      <p:sp>
-        <p:nvSpPr>
-          <p:cNvPr id="5" name="Slide Number Placeholder 4"/>
-          <p:cNvSpPr>
-            <a:spLocks noGrp="1"/>
-          </p:cNvSpPr>
-          <p:nvPr>
-            <p:ph type="sldNum" sz="quarter" idx="12"/>
           </p:nvPr>
         </p:nvSpPr>
         <p:spPr/>
@@ -3129,18 +3297,10 @@
           <a:bodyPr/>
           <a:lstStyle>
             <a:lvl1pPr>
-              <a:defRPr>
-                <a:solidFill>
-                  <a:srgbClr val="FFFFFF"/>
-                </a:solidFill>
-              </a:defRPr>
+              <a:defRPr/>
             </a:lvl1pPr>
           </a:lstStyle>
           <a:p>
-            <a:fld id="{F46E0E8F-E880-574A-B851-02BD22F8A2F8}" type="slidenum">
-              <a:rPr lang="en-US" smtClean="0"/>
-              <a:t>‹#›</a:t>
-            </a:fld>
             <a:endParaRPr lang="en-US"/>
           </a:p>
         </p:txBody>
@@ -3183,11 +3343,15 @@
         <p:spPr/>
         <p:txBody>
           <a:bodyPr/>
-          <a:lstStyle/>
+          <a:lstStyle>
+            <a:lvl1pPr>
+              <a:defRPr/>
+            </a:lvl1pPr>
+          </a:lstStyle>
           <a:p>
             <a:fld id="{A48BC6A3-4287-FB41-84FF-1B1578E1764A}" type="datetimeFigureOut">
               <a:rPr lang="en-US" smtClean="0"/>
-              <a:t>10/10/16</a:t>
+              <a:t>8/17/17</a:t>
             </a:fld>
             <a:endParaRPr lang="en-US"/>
           </a:p>
@@ -3206,44 +3370,12 @@
         <p:spPr/>
         <p:txBody>
           <a:bodyPr/>
-          <a:lstStyle/>
-          <a:p>
-            <a:endParaRPr lang="en-US"/>
-          </a:p>
-        </p:txBody>
-      </p:sp>
-      <p:sp>
-        <p:nvSpPr>
-          <p:cNvPr id="4" name="Slide Number Placeholder 3"/>
-          <p:cNvSpPr>
-            <a:spLocks noGrp="1"/>
-          </p:cNvSpPr>
-          <p:nvPr>
-            <p:ph type="sldNum" sz="quarter" idx="12"/>
-          </p:nvPr>
-        </p:nvSpPr>
-        <p:spPr>
-          <a:xfrm>
-            <a:off x="0" y="6248400"/>
-            <a:ext cx="533400" cy="381000"/>
-          </a:xfrm>
-        </p:spPr>
-        <p:txBody>
-          <a:bodyPr/>
           <a:lstStyle>
             <a:lvl1pPr>
-              <a:defRPr>
-                <a:solidFill>
-                  <a:schemeClr val="tx2"/>
-                </a:solidFill>
-              </a:defRPr>
+              <a:defRPr/>
             </a:lvl1pPr>
           </a:lstStyle>
           <a:p>
-            <a:fld id="{F46E0E8F-E880-574A-B851-02BD22F8A2F8}" type="slidenum">
-              <a:rPr lang="en-US" smtClean="0"/>
-              <a:t>‹#›</a:t>
-            </a:fld>
             <a:endParaRPr lang="en-US"/>
           </a:p>
         </p:txBody>
@@ -3285,96 +3417,23 @@
         </p:nvSpPr>
         <p:spPr>
           <a:xfrm>
-            <a:off x="609600" y="273050"/>
-            <a:ext cx="8077200" cy="869950"/>
+            <a:off x="812800" y="273050"/>
+            <a:ext cx="10769600" cy="869950"/>
           </a:xfrm>
         </p:spPr>
         <p:txBody>
-          <a:bodyPr anchor="ctr"/>
+          <a:bodyPr/>
           <a:lstStyle>
             <a:lvl1pPr algn="l">
               <a:buNone/>
-              <a:defRPr sz="4400" b="0"/>
+              <a:defRPr sz="3300" b="0"/>
             </a:lvl1pPr>
           </a:lstStyle>
           <a:p>
             <a:r>
-              <a:rPr kumimoji="0" lang="en-US" smtClean="0"/>
+              <a:rPr lang="en-US" smtClean="0"/>
               <a:t>Click to edit Master title style</a:t>
             </a:r>
-            <a:endParaRPr kumimoji="0" lang="en-US"/>
-          </a:p>
-        </p:txBody>
-      </p:sp>
-      <p:sp>
-        <p:nvSpPr>
-          <p:cNvPr id="5" name="Date Placeholder 4"/>
-          <p:cNvSpPr>
-            <a:spLocks noGrp="1"/>
-          </p:cNvSpPr>
-          <p:nvPr>
-            <p:ph type="dt" sz="half" idx="10"/>
-          </p:nvPr>
-        </p:nvSpPr>
-        <p:spPr/>
-        <p:txBody>
-          <a:bodyPr/>
-          <a:lstStyle/>
-          <a:p>
-            <a:fld id="{A48BC6A3-4287-FB41-84FF-1B1578E1764A}" type="datetimeFigureOut">
-              <a:rPr lang="en-US" smtClean="0"/>
-              <a:t>10/10/16</a:t>
-            </a:fld>
-            <a:endParaRPr lang="en-US"/>
-          </a:p>
-        </p:txBody>
-      </p:sp>
-      <p:sp>
-        <p:nvSpPr>
-          <p:cNvPr id="6" name="Footer Placeholder 5"/>
-          <p:cNvSpPr>
-            <a:spLocks noGrp="1"/>
-          </p:cNvSpPr>
-          <p:nvPr>
-            <p:ph type="ftr" sz="quarter" idx="11"/>
-          </p:nvPr>
-        </p:nvSpPr>
-        <p:spPr/>
-        <p:txBody>
-          <a:bodyPr/>
-          <a:lstStyle/>
-          <a:p>
-            <a:endParaRPr lang="en-US"/>
-          </a:p>
-        </p:txBody>
-      </p:sp>
-      <p:sp>
-        <p:nvSpPr>
-          <p:cNvPr id="7" name="Slide Number Placeholder 6"/>
-          <p:cNvSpPr>
-            <a:spLocks noGrp="1"/>
-          </p:cNvSpPr>
-          <p:nvPr>
-            <p:ph type="sldNum" sz="quarter" idx="12"/>
-          </p:nvPr>
-        </p:nvSpPr>
-        <p:spPr/>
-        <p:txBody>
-          <a:bodyPr/>
-          <a:lstStyle>
-            <a:lvl1pPr>
-              <a:defRPr>
-                <a:solidFill>
-                  <a:srgbClr val="FFFFFF"/>
-                </a:solidFill>
-              </a:defRPr>
-            </a:lvl1pPr>
-          </a:lstStyle>
-          <a:p>
-            <a:fld id="{F46E0E8F-E880-574A-B851-02BD22F8A2F8}" type="slidenum">
-              <a:rPr lang="en-US" smtClean="0"/>
-              <a:t>‹#›</a:t>
-            </a:fld>
             <a:endParaRPr lang="en-US"/>
           </a:p>
         </p:txBody>
@@ -3391,8 +3450,8 @@
         </p:nvSpPr>
         <p:spPr>
           <a:xfrm>
-            <a:off x="609600" y="1752600"/>
-            <a:ext cx="1600200" cy="4343400"/>
+            <a:off x="812800" y="1752600"/>
+            <a:ext cx="2133600" cy="4343400"/>
           </a:xfrm>
           <a:ln w="50800" cap="sq" cmpd="dbl" algn="ctr">
             <a:solidFill>
@@ -3422,32 +3481,36 @@
           <a:lstStyle>
             <a:lvl1pPr marL="0" indent="0">
               <a:spcAft>
-                <a:spcPts val="1000"/>
+                <a:spcPts val="750"/>
               </a:spcAft>
               <a:buNone/>
-              <a:defRPr sz="1800"/>
+              <a:defRPr sz="1350" b="0" i="0">
+                <a:latin typeface="Helvetica Neue Light" charset="0"/>
+                <a:ea typeface="Helvetica Neue Light" charset="0"/>
+                <a:cs typeface="Helvetica Neue Light" charset="0"/>
+              </a:defRPr>
             </a:lvl1pPr>
             <a:lvl2pPr>
               <a:buNone/>
-              <a:defRPr sz="1200"/>
+              <a:defRPr sz="900"/>
             </a:lvl2pPr>
             <a:lvl3pPr>
               <a:buNone/>
-              <a:defRPr sz="1000"/>
+              <a:defRPr sz="750"/>
             </a:lvl3pPr>
             <a:lvl4pPr>
               <a:buNone/>
-              <a:defRPr sz="900"/>
+              <a:defRPr sz="675"/>
             </a:lvl4pPr>
             <a:lvl5pPr>
               <a:buNone/>
-              <a:defRPr sz="900"/>
+              <a:defRPr sz="675"/>
             </a:lvl5pPr>
           </a:lstStyle>
           <a:p>
-            <a:pPr lvl="0" eaLnBrk="1" latinLnBrk="0" hangingPunct="1"/>
-            <a:r>
-              <a:rPr kumimoji="0" lang="en-US" smtClean="0"/>
+            <a:pPr lvl="0"/>
+            <a:r>
+              <a:rPr lang="en-US" smtClean="0"/>
               <a:t>Click to edit Master text styles</a:t>
             </a:r>
           </a:p>
@@ -3465,48 +3528,98 @@
         </p:nvSpPr>
         <p:spPr>
           <a:xfrm>
-            <a:off x="2362200" y="1752600"/>
-            <a:ext cx="6400800" cy="4419600"/>
+            <a:off x="3149600" y="1752600"/>
+            <a:ext cx="8534400" cy="4419600"/>
           </a:xfrm>
         </p:spPr>
         <p:txBody>
           <a:bodyPr/>
           <a:lstStyle/>
           <a:p>
-            <a:pPr lvl="0" eaLnBrk="1" latinLnBrk="0" hangingPunct="1"/>
+            <a:pPr lvl="0"/>
             <a:r>
               <a:rPr lang="en-US" smtClean="0"/>
               <a:t>Click to edit Master text styles</a:t>
             </a:r>
           </a:p>
           <a:p>
-            <a:pPr lvl="1" eaLnBrk="1" latinLnBrk="0" hangingPunct="1"/>
+            <a:pPr lvl="1"/>
             <a:r>
               <a:rPr lang="en-US" smtClean="0"/>
               <a:t>Second level</a:t>
             </a:r>
           </a:p>
           <a:p>
-            <a:pPr lvl="2" eaLnBrk="1" latinLnBrk="0" hangingPunct="1"/>
+            <a:pPr lvl="2"/>
             <a:r>
               <a:rPr lang="en-US" smtClean="0"/>
               <a:t>Third level</a:t>
             </a:r>
           </a:p>
           <a:p>
-            <a:pPr lvl="3" eaLnBrk="1" latinLnBrk="0" hangingPunct="1"/>
+            <a:pPr lvl="3"/>
             <a:r>
               <a:rPr lang="en-US" smtClean="0"/>
               <a:t>Fourth level</a:t>
             </a:r>
           </a:p>
           <a:p>
-            <a:pPr lvl="4" eaLnBrk="1" latinLnBrk="0" hangingPunct="1"/>
+            <a:pPr lvl="4"/>
             <a:r>
               <a:rPr lang="en-US" smtClean="0"/>
               <a:t>Fifth level</a:t>
             </a:r>
-            <a:endParaRPr kumimoji="0" lang="en-US"/>
+            <a:endParaRPr lang="en-US"/>
+          </a:p>
+        </p:txBody>
+      </p:sp>
+      <p:sp>
+        <p:nvSpPr>
+          <p:cNvPr id="5" name="Date Placeholder 13"/>
+          <p:cNvSpPr>
+            <a:spLocks noGrp="1"/>
+          </p:cNvSpPr>
+          <p:nvPr>
+            <p:ph type="dt" sz="half" idx="10"/>
+          </p:nvPr>
+        </p:nvSpPr>
+        <p:spPr/>
+        <p:txBody>
+          <a:bodyPr/>
+          <a:lstStyle>
+            <a:lvl1pPr>
+              <a:defRPr/>
+            </a:lvl1pPr>
+          </a:lstStyle>
+          <a:p>
+            <a:fld id="{A48BC6A3-4287-FB41-84FF-1B1578E1764A}" type="datetimeFigureOut">
+              <a:rPr lang="en-US" smtClean="0"/>
+              <a:t>8/17/17</a:t>
+            </a:fld>
+            <a:endParaRPr lang="en-US"/>
+          </a:p>
+        </p:txBody>
+      </p:sp>
+      <p:sp>
+        <p:nvSpPr>
+          <p:cNvPr id="6" name="Footer Placeholder 2"/>
+          <p:cNvSpPr>
+            <a:spLocks noGrp="1"/>
+          </p:cNvSpPr>
+          <p:nvPr>
+            <p:ph type="ftr" sz="quarter" idx="11"/>
+          </p:nvPr>
+        </p:nvSpPr>
+        <p:spPr/>
+        <p:txBody>
+          <a:bodyPr/>
+          <a:lstStyle>
+            <a:lvl1pPr>
+              <a:defRPr/>
+            </a:lvl1pPr>
+          </a:lstStyle>
+          <a:p>
+            <a:endParaRPr lang="en-US"/>
           </a:p>
         </p:txBody>
       </p:sp>
@@ -3537,68 +3650,14 @@
       </p:grpSpPr>
       <p:sp>
         <p:nvSpPr>
-          <p:cNvPr id="4" name="Text Placeholder 3"/>
-          <p:cNvSpPr>
-            <a:spLocks noGrp="1"/>
-          </p:cNvSpPr>
-          <p:nvPr>
-            <p:ph type="body" sz="half" idx="2"/>
-          </p:nvPr>
-        </p:nvSpPr>
-        <p:spPr>
-          <a:xfrm>
-            <a:off x="1600200" y="5486400"/>
-            <a:ext cx="7315200" cy="685800"/>
-          </a:xfrm>
-        </p:spPr>
-        <p:txBody>
-          <a:bodyPr/>
-          <a:lstStyle>
-            <a:lvl1pPr marL="0" indent="0">
-              <a:buFontTx/>
-              <a:buNone/>
-              <a:defRPr sz="1700"/>
-            </a:lvl1pPr>
-            <a:lvl2pPr>
-              <a:buFontTx/>
-              <a:buNone/>
-              <a:defRPr sz="1200"/>
-            </a:lvl2pPr>
-            <a:lvl3pPr>
-              <a:buFontTx/>
-              <a:buNone/>
-              <a:defRPr sz="1000"/>
-            </a:lvl3pPr>
-            <a:lvl4pPr>
-              <a:buFontTx/>
-              <a:buNone/>
-              <a:defRPr sz="900"/>
-            </a:lvl4pPr>
-            <a:lvl5pPr>
-              <a:buFontTx/>
-              <a:buNone/>
-              <a:defRPr sz="900"/>
-            </a:lvl5pPr>
-          </a:lstStyle>
-          <a:p>
-            <a:pPr lvl="0" eaLnBrk="1" latinLnBrk="0" hangingPunct="1"/>
-            <a:r>
-              <a:rPr kumimoji="0" lang="en-US" smtClean="0"/>
-              <a:t>Click to edit Master text styles</a:t>
-            </a:r>
-          </a:p>
-        </p:txBody>
-      </p:sp>
-      <p:sp>
-        <p:nvSpPr>
-          <p:cNvPr id="8" name="Rectangle 7"/>
+          <p:cNvPr id="5" name="Rectangle 7"/>
           <p:cNvSpPr/>
           <p:nvPr/>
         </p:nvSpPr>
         <p:spPr bwMode="white">
           <a:xfrm>
-            <a:off x="-9144" y="4572000"/>
-            <a:ext cx="9144000" cy="886968"/>
+            <a:off x="-12700" y="4572003"/>
+            <a:ext cx="12192000" cy="887413"/>
           </a:xfrm>
           <a:prstGeom prst="rect">
             <a:avLst/>
@@ -3630,21 +3689,29 @@
           <a:bodyPr anchor="ctr"/>
           <a:lstStyle/>
           <a:p>
-            <a:pPr algn="ctr" eaLnBrk="1" latinLnBrk="0" hangingPunct="1"/>
-            <a:endParaRPr kumimoji="0" lang="en-US"/>
-          </a:p>
-        </p:txBody>
-      </p:sp>
-      <p:sp>
-        <p:nvSpPr>
-          <p:cNvPr id="9" name="Rectangle 8"/>
+            <a:pPr algn="ctr" fontAlgn="auto">
+              <a:spcBef>
+                <a:spcPts val="0"/>
+              </a:spcBef>
+              <a:spcAft>
+                <a:spcPts val="0"/>
+              </a:spcAft>
+              <a:defRPr/>
+            </a:pPr>
+            <a:endParaRPr lang="en-US" sz="1350" dirty="0"/>
+          </a:p>
+        </p:txBody>
+      </p:sp>
+      <p:sp>
+        <p:nvSpPr>
+          <p:cNvPr id="6" name="Rectangle 8"/>
           <p:cNvSpPr/>
           <p:nvPr/>
         </p:nvSpPr>
         <p:spPr>
           <a:xfrm>
-            <a:off x="-9144" y="4663440"/>
-            <a:ext cx="1463040" cy="713232"/>
+            <a:off x="-12698" y="4664075"/>
+            <a:ext cx="1951567" cy="712788"/>
           </a:xfrm>
           <a:prstGeom prst="rect">
             <a:avLst/>
@@ -3678,21 +3745,29 @@
           <a:bodyPr anchor="ctr"/>
           <a:lstStyle/>
           <a:p>
-            <a:pPr algn="ctr" eaLnBrk="1" latinLnBrk="0" hangingPunct="1"/>
-            <a:endParaRPr kumimoji="0" lang="en-US"/>
-          </a:p>
-        </p:txBody>
-      </p:sp>
-      <p:sp>
-        <p:nvSpPr>
-          <p:cNvPr id="10" name="Rectangle 9"/>
+            <a:pPr algn="ctr" fontAlgn="auto">
+              <a:spcBef>
+                <a:spcPts val="0"/>
+              </a:spcBef>
+              <a:spcAft>
+                <a:spcPts val="0"/>
+              </a:spcAft>
+              <a:defRPr/>
+            </a:pPr>
+            <a:endParaRPr lang="en-US" sz="1350" dirty="0"/>
+          </a:p>
+        </p:txBody>
+      </p:sp>
+      <p:sp>
+        <p:nvSpPr>
+          <p:cNvPr id="7" name="Rectangle 9"/>
           <p:cNvSpPr/>
           <p:nvPr/>
         </p:nvSpPr>
         <p:spPr>
           <a:xfrm>
-            <a:off x="1545336" y="4654296"/>
-            <a:ext cx="7598664" cy="713232"/>
+            <a:off x="2059517" y="4654550"/>
+            <a:ext cx="10132483" cy="712788"/>
           </a:xfrm>
           <a:prstGeom prst="rect">
             <a:avLst/>
@@ -3726,58 +3801,29 @@
           <a:bodyPr anchor="ctr"/>
           <a:lstStyle/>
           <a:p>
-            <a:pPr algn="ctr" eaLnBrk="1" latinLnBrk="0" hangingPunct="1"/>
-            <a:endParaRPr kumimoji="0" lang="en-US"/>
-          </a:p>
-        </p:txBody>
-      </p:sp>
-      <p:sp>
-        <p:nvSpPr>
-          <p:cNvPr id="2" name="Title 1"/>
-          <p:cNvSpPr>
-            <a:spLocks noGrp="1"/>
-          </p:cNvSpPr>
-          <p:nvPr>
-            <p:ph type="title"/>
-          </p:nvPr>
-        </p:nvSpPr>
-        <p:spPr>
-          <a:xfrm>
-            <a:off x="1600200" y="4648200"/>
-            <a:ext cx="7315200" cy="685800"/>
-          </a:xfrm>
-        </p:spPr>
-        <p:txBody>
-          <a:bodyPr anchor="ctr"/>
-          <a:lstStyle>
-            <a:lvl1pPr algn="l">
-              <a:buNone/>
-              <a:defRPr sz="2800" b="0">
-                <a:solidFill>
-                  <a:srgbClr val="FFFFFF"/>
-                </a:solidFill>
-              </a:defRPr>
-            </a:lvl1pPr>
-          </a:lstStyle>
-          <a:p>
-            <a:r>
-              <a:rPr kumimoji="0" lang="en-US" smtClean="0"/>
-              <a:t>Click to edit Master title style</a:t>
-            </a:r>
-            <a:endParaRPr kumimoji="0" lang="en-US"/>
-          </a:p>
-        </p:txBody>
-      </p:sp>
-      <p:sp>
-        <p:nvSpPr>
-          <p:cNvPr id="11" name="Rectangle 10"/>
+            <a:pPr algn="ctr" fontAlgn="auto">
+              <a:spcBef>
+                <a:spcPts val="0"/>
+              </a:spcBef>
+              <a:spcAft>
+                <a:spcPts val="0"/>
+              </a:spcAft>
+              <a:defRPr/>
+            </a:pPr>
+            <a:endParaRPr lang="en-US" sz="1350" dirty="0"/>
+          </a:p>
+        </p:txBody>
+      </p:sp>
+      <p:sp>
+        <p:nvSpPr>
+          <p:cNvPr id="8" name="Rectangle 10"/>
           <p:cNvSpPr/>
           <p:nvPr/>
         </p:nvSpPr>
         <p:spPr bwMode="white">
           <a:xfrm>
-            <a:off x="1447800" y="0"/>
-            <a:ext cx="100584" cy="6867144"/>
+            <a:off x="1930402" y="3"/>
+            <a:ext cx="133351" cy="6867525"/>
           </a:xfrm>
           <a:prstGeom prst="rect">
             <a:avLst/>
@@ -3809,109 +3855,124 @@
           <a:bodyPr anchor="ctr"/>
           <a:lstStyle/>
           <a:p>
-            <a:pPr algn="ctr" eaLnBrk="1" latinLnBrk="0" hangingPunct="1"/>
-            <a:endParaRPr kumimoji="0" lang="en-US"/>
-          </a:p>
-        </p:txBody>
-      </p:sp>
-      <p:sp>
-        <p:nvSpPr>
-          <p:cNvPr id="12" name="Date Placeholder 11"/>
-          <p:cNvSpPr>
-            <a:spLocks noGrp="1"/>
-          </p:cNvSpPr>
-          <p:nvPr>
-            <p:ph type="dt" sz="half" idx="10"/>
+            <a:pPr algn="ctr" fontAlgn="auto">
+              <a:spcBef>
+                <a:spcPts val="0"/>
+              </a:spcBef>
+              <a:spcAft>
+                <a:spcPts val="0"/>
+              </a:spcAft>
+              <a:defRPr/>
+            </a:pPr>
+            <a:endParaRPr lang="en-US" sz="1350" dirty="0"/>
+          </a:p>
+        </p:txBody>
+      </p:sp>
+      <p:sp>
+        <p:nvSpPr>
+          <p:cNvPr id="4" name="Text Placeholder 3"/>
+          <p:cNvSpPr>
+            <a:spLocks noGrp="1"/>
+          </p:cNvSpPr>
+          <p:nvPr>
+            <p:ph type="body" sz="half" idx="2"/>
           </p:nvPr>
         </p:nvSpPr>
         <p:spPr>
           <a:xfrm>
-            <a:off x="6248400" y="6248400"/>
-            <a:ext cx="2667000" cy="365125"/>
+            <a:off x="2133600" y="5486400"/>
+            <a:ext cx="9753600" cy="685800"/>
           </a:xfrm>
         </p:spPr>
         <p:txBody>
-          <a:bodyPr rtlCol="0"/>
-          <a:lstStyle/>
-          <a:p>
-            <a:fld id="{A48BC6A3-4287-FB41-84FF-1B1578E1764A}" type="datetimeFigureOut">
-              <a:rPr lang="en-US" smtClean="0"/>
-              <a:t>10/10/16</a:t>
-            </a:fld>
-            <a:endParaRPr lang="en-US"/>
-          </a:p>
-        </p:txBody>
-      </p:sp>
-      <p:sp>
-        <p:nvSpPr>
-          <p:cNvPr id="13" name="Slide Number Placeholder 12"/>
-          <p:cNvSpPr>
-            <a:spLocks noGrp="1"/>
-          </p:cNvSpPr>
-          <p:nvPr>
-            <p:ph type="sldNum" sz="quarter" idx="11"/>
+          <a:bodyPr/>
+          <a:lstStyle>
+            <a:lvl1pPr marL="0" indent="0">
+              <a:buFontTx/>
+              <a:buNone/>
+              <a:defRPr sz="1275"/>
+            </a:lvl1pPr>
+            <a:lvl2pPr>
+              <a:buFontTx/>
+              <a:buNone/>
+              <a:defRPr sz="900"/>
+            </a:lvl2pPr>
+            <a:lvl3pPr>
+              <a:buFontTx/>
+              <a:buNone/>
+              <a:defRPr sz="750"/>
+            </a:lvl3pPr>
+            <a:lvl4pPr>
+              <a:buFontTx/>
+              <a:buNone/>
+              <a:defRPr sz="675"/>
+            </a:lvl4pPr>
+            <a:lvl5pPr>
+              <a:buFontTx/>
+              <a:buNone/>
+              <a:defRPr sz="675"/>
+            </a:lvl5pPr>
+          </a:lstStyle>
+          <a:p>
+            <a:pPr lvl="0"/>
+            <a:r>
+              <a:rPr lang="en-US" smtClean="0"/>
+              <a:t>Click to edit Master text styles</a:t>
+            </a:r>
+          </a:p>
+        </p:txBody>
+      </p:sp>
+      <p:sp>
+        <p:nvSpPr>
+          <p:cNvPr id="2" name="Title 1"/>
+          <p:cNvSpPr>
+            <a:spLocks noGrp="1"/>
+          </p:cNvSpPr>
+          <p:nvPr>
+            <p:ph type="title"/>
           </p:nvPr>
         </p:nvSpPr>
         <p:spPr>
           <a:xfrm>
-            <a:off x="0" y="4667249"/>
-            <a:ext cx="1447800" cy="663578"/>
+            <a:off x="2133600" y="4648200"/>
+            <a:ext cx="9753600" cy="685800"/>
           </a:xfrm>
         </p:spPr>
         <p:txBody>
-          <a:bodyPr rtlCol="0"/>
+          <a:bodyPr/>
           <a:lstStyle>
-            <a:lvl1pPr>
-              <a:defRPr sz="2800"/>
+            <a:lvl1pPr algn="l">
+              <a:buNone/>
+              <a:defRPr sz="2100" b="0">
+                <a:solidFill>
+                  <a:srgbClr val="FFFFFF"/>
+                </a:solidFill>
+              </a:defRPr>
             </a:lvl1pPr>
           </a:lstStyle>
           <a:p>
-            <a:fld id="{F46E0E8F-E880-574A-B851-02BD22F8A2F8}" type="slidenum">
-              <a:rPr lang="en-US" smtClean="0"/>
-              <a:t>‹#›</a:t>
-            </a:fld>
-            <a:endParaRPr lang="en-US"/>
-          </a:p>
-        </p:txBody>
-      </p:sp>
-      <p:sp>
-        <p:nvSpPr>
-          <p:cNvPr id="14" name="Footer Placeholder 13"/>
-          <p:cNvSpPr>
-            <a:spLocks noGrp="1"/>
-          </p:cNvSpPr>
-          <p:nvPr>
-            <p:ph type="ftr" sz="quarter" idx="12"/>
+            <a:r>
+              <a:rPr lang="en-US" smtClean="0"/>
+              <a:t>Click to edit Master title style</a:t>
+            </a:r>
+            <a:endParaRPr lang="en-US" dirty="0"/>
+          </a:p>
+        </p:txBody>
+      </p:sp>
+      <p:sp>
+        <p:nvSpPr>
+          <p:cNvPr id="3" name="Picture Placeholder 2"/>
+          <p:cNvSpPr>
+            <a:spLocks noGrp="1"/>
+          </p:cNvSpPr>
+          <p:nvPr>
+            <p:ph type="pic" idx="1"/>
           </p:nvPr>
         </p:nvSpPr>
         <p:spPr>
           <a:xfrm>
-            <a:off x="1600200" y="6248206"/>
-            <a:ext cx="4572000" cy="365125"/>
-          </a:xfrm>
-        </p:spPr>
-        <p:txBody>
-          <a:bodyPr rtlCol="0"/>
-          <a:lstStyle/>
-          <a:p>
-            <a:endParaRPr lang="en-US"/>
-          </a:p>
-        </p:txBody>
-      </p:sp>
-      <p:sp>
-        <p:nvSpPr>
-          <p:cNvPr id="3" name="Picture Placeholder 2"/>
-          <p:cNvSpPr>
-            <a:spLocks noGrp="1"/>
-          </p:cNvSpPr>
-          <p:nvPr>
-            <p:ph type="pic" idx="1"/>
-          </p:nvPr>
-        </p:nvSpPr>
-        <p:spPr>
-          <a:xfrm>
-            <a:off x="1560576" y="0"/>
-            <a:ext cx="7583424" cy="4568952"/>
+            <a:off x="2080768" y="0"/>
+            <a:ext cx="10111232" cy="4568952"/>
           </a:xfrm>
           <a:solidFill>
             <a:schemeClr val="accent1">
@@ -3923,19 +3984,82 @@
           </a:ln>
         </p:spPr>
         <p:txBody>
-          <a:bodyPr/>
+          <a:bodyPr>
+            <a:normAutofit/>
+          </a:bodyPr>
           <a:lstStyle>
             <a:lvl1pPr marL="0" indent="0">
               <a:buNone/>
-              <a:defRPr sz="3200"/>
+              <a:defRPr sz="2400"/>
             </a:lvl1pPr>
           </a:lstStyle>
           <a:p>
-            <a:r>
-              <a:rPr kumimoji="0" lang="en-US" smtClean="0"/>
+            <a:pPr lvl="0"/>
+            <a:r>
+              <a:rPr lang="en-US" noProof="0" smtClean="0"/>
               <a:t>Drag picture to placeholder or click icon to add</a:t>
             </a:r>
-            <a:endParaRPr kumimoji="0" lang="en-US" dirty="0"/>
+            <a:endParaRPr lang="en-US" noProof="0" dirty="0"/>
+          </a:p>
+        </p:txBody>
+      </p:sp>
+      <p:sp>
+        <p:nvSpPr>
+          <p:cNvPr id="9" name="Date Placeholder 11"/>
+          <p:cNvSpPr>
+            <a:spLocks noGrp="1"/>
+          </p:cNvSpPr>
+          <p:nvPr>
+            <p:ph type="dt" sz="half" idx="10"/>
+          </p:nvPr>
+        </p:nvSpPr>
+        <p:spPr>
+          <a:xfrm>
+            <a:off x="8331200" y="6248403"/>
+            <a:ext cx="3556000" cy="365125"/>
+          </a:xfrm>
+        </p:spPr>
+        <p:txBody>
+          <a:bodyPr rtlCol="0"/>
+          <a:lstStyle>
+            <a:lvl1pPr>
+              <a:defRPr/>
+            </a:lvl1pPr>
+          </a:lstStyle>
+          <a:p>
+            <a:fld id="{A48BC6A3-4287-FB41-84FF-1B1578E1764A}" type="datetimeFigureOut">
+              <a:rPr lang="en-US" smtClean="0"/>
+              <a:t>8/17/17</a:t>
+            </a:fld>
+            <a:endParaRPr lang="en-US"/>
+          </a:p>
+        </p:txBody>
+      </p:sp>
+      <p:sp>
+        <p:nvSpPr>
+          <p:cNvPr id="11" name="Footer Placeholder 13"/>
+          <p:cNvSpPr>
+            <a:spLocks noGrp="1"/>
+          </p:cNvSpPr>
+          <p:nvPr>
+            <p:ph type="ftr" sz="quarter" idx="12"/>
+          </p:nvPr>
+        </p:nvSpPr>
+        <p:spPr>
+          <a:xfrm>
+            <a:off x="2133600" y="6248403"/>
+            <a:ext cx="6096000" cy="365125"/>
+          </a:xfrm>
+        </p:spPr>
+        <p:txBody>
+          <a:bodyPr rtlCol="0"/>
+          <a:lstStyle>
+            <a:lvl1pPr>
+              <a:defRPr/>
+            </a:lvl1pPr>
+          </a:lstStyle>
+          <a:p>
+            <a:endParaRPr lang="en-US"/>
           </a:p>
         </p:txBody>
       </p:sp>
@@ -3971,169 +4095,206 @@
       </p:grpSpPr>
       <p:sp>
         <p:nvSpPr>
-          <p:cNvPr id="22" name="Title Placeholder 21"/>
+          <p:cNvPr id="1026" name="Title Placeholder 21"/>
           <p:cNvSpPr>
             <a:spLocks noGrp="1"/>
           </p:cNvSpPr>
           <p:nvPr>
             <p:ph type="title"/>
+          </p:nvPr>
+        </p:nvSpPr>
+        <p:spPr bwMode="auto">
+          <a:xfrm>
+            <a:off x="812800" y="228600"/>
+            <a:ext cx="10871200" cy="990600"/>
+          </a:xfrm>
+          <a:prstGeom prst="rect">
+            <a:avLst/>
+          </a:prstGeom>
+          <a:noFill/>
+          <a:ln w="9525">
+            <a:noFill/>
+            <a:miter lim="800000"/>
+            <a:headEnd/>
+            <a:tailEnd/>
+          </a:ln>
+        </p:spPr>
+        <p:txBody>
+          <a:bodyPr vert="horz" wrap="square" lIns="91440" tIns="45720" rIns="91440" bIns="45720" numCol="1" anchor="ctr" anchorCtr="0" compatLnSpc="1">
+            <a:prstTxWarp prst="textNoShape">
+              <a:avLst/>
+            </a:prstTxWarp>
+          </a:bodyPr>
+          <a:lstStyle/>
+          <a:p>
+            <a:pPr lvl="0"/>
+            <a:r>
+              <a:rPr lang="en-US" smtClean="0"/>
+              <a:t>Click to edit Master title style</a:t>
+            </a:r>
+            <a:endParaRPr lang="en-US" dirty="0" smtClean="0"/>
+          </a:p>
+        </p:txBody>
+      </p:sp>
+      <p:sp>
+        <p:nvSpPr>
+          <p:cNvPr id="1027" name="Text Placeholder 12"/>
+          <p:cNvSpPr>
+            <a:spLocks noGrp="1"/>
+          </p:cNvSpPr>
+          <p:nvPr>
+            <p:ph type="body" idx="1"/>
+          </p:nvPr>
+        </p:nvSpPr>
+        <p:spPr bwMode="auto">
+          <a:xfrm>
+            <a:off x="817033" y="1600203"/>
+            <a:ext cx="10871200" cy="4525963"/>
+          </a:xfrm>
+          <a:prstGeom prst="rect">
+            <a:avLst/>
+          </a:prstGeom>
+          <a:noFill/>
+          <a:ln w="9525">
+            <a:noFill/>
+            <a:miter lim="800000"/>
+            <a:headEnd/>
+            <a:tailEnd/>
+          </a:ln>
+        </p:spPr>
+        <p:txBody>
+          <a:bodyPr vert="horz" wrap="square" lIns="91440" tIns="45720" rIns="91440" bIns="45720" numCol="1" anchor="t" anchorCtr="0" compatLnSpc="1">
+            <a:prstTxWarp prst="textNoShape">
+              <a:avLst/>
+            </a:prstTxWarp>
+          </a:bodyPr>
+          <a:lstStyle/>
+          <a:p>
+            <a:pPr lvl="0"/>
+            <a:r>
+              <a:rPr lang="en-US" smtClean="0"/>
+              <a:t>Click to edit Master text styles</a:t>
+            </a:r>
+          </a:p>
+          <a:p>
+            <a:pPr lvl="1"/>
+            <a:r>
+              <a:rPr lang="en-US" smtClean="0"/>
+              <a:t>Second level</a:t>
+            </a:r>
+          </a:p>
+          <a:p>
+            <a:pPr lvl="2"/>
+            <a:r>
+              <a:rPr lang="en-US" smtClean="0"/>
+              <a:t>Third level</a:t>
+            </a:r>
+          </a:p>
+          <a:p>
+            <a:pPr lvl="3"/>
+            <a:r>
+              <a:rPr lang="en-US" smtClean="0"/>
+              <a:t>Fourth level</a:t>
+            </a:r>
+          </a:p>
+          <a:p>
+            <a:pPr lvl="4"/>
+            <a:r>
+              <a:rPr lang="en-US" smtClean="0"/>
+              <a:t>Fifth level</a:t>
+            </a:r>
+            <a:endParaRPr lang="en-US" dirty="0" smtClean="0"/>
+          </a:p>
+        </p:txBody>
+      </p:sp>
+      <p:sp>
+        <p:nvSpPr>
+          <p:cNvPr id="14" name="Date Placeholder 13"/>
+          <p:cNvSpPr>
+            <a:spLocks noGrp="1"/>
+          </p:cNvSpPr>
+          <p:nvPr>
+            <p:ph type="dt" sz="half" idx="2"/>
           </p:nvPr>
         </p:nvSpPr>
         <p:spPr>
           <a:xfrm>
-            <a:off x="609600" y="228600"/>
-            <a:ext cx="8153400" cy="990600"/>
+            <a:off x="8128000" y="6248403"/>
+            <a:ext cx="3556000" cy="365125"/>
           </a:xfrm>
           <a:prstGeom prst="rect">
             <a:avLst/>
           </a:prstGeom>
         </p:spPr>
         <p:txBody>
-          <a:bodyPr vert="horz" anchor="ctr">
-            <a:normAutofit/>
-          </a:bodyPr>
-          <a:lstStyle/>
-          <a:p>
-            <a:r>
-              <a:rPr kumimoji="0" lang="en-US" smtClean="0"/>
-              <a:t>Click to edit Master title style</a:t>
-            </a:r>
-            <a:endParaRPr kumimoji="0" lang="en-US" dirty="0"/>
-          </a:p>
-        </p:txBody>
-      </p:sp>
-      <p:sp>
-        <p:nvSpPr>
-          <p:cNvPr id="13" name="Text Placeholder 12"/>
-          <p:cNvSpPr>
-            <a:spLocks noGrp="1"/>
-          </p:cNvSpPr>
-          <p:nvPr>
-            <p:ph type="body" idx="1"/>
+          <a:bodyPr vert="horz" anchor="ctr" anchorCtr="0"/>
+          <a:lstStyle>
+            <a:lvl1pPr algn="l" eaLnBrk="1" fontAlgn="auto" latinLnBrk="0" hangingPunct="1">
+              <a:spcBef>
+                <a:spcPts val="0"/>
+              </a:spcBef>
+              <a:spcAft>
+                <a:spcPts val="0"/>
+              </a:spcAft>
+              <a:defRPr kumimoji="0" sz="1050" b="0" i="0" smtClean="0">
+                <a:solidFill>
+                  <a:schemeClr val="tx2"/>
+                </a:solidFill>
+                <a:latin typeface="Helvetica Neue Light" charset="0"/>
+                <a:ea typeface="Helvetica Neue Light" charset="0"/>
+                <a:cs typeface="Helvetica Neue Light" charset="0"/>
+              </a:defRPr>
+            </a:lvl1pPr>
+          </a:lstStyle>
+          <a:p>
+            <a:fld id="{A48BC6A3-4287-FB41-84FF-1B1578E1764A}" type="datetimeFigureOut">
+              <a:rPr lang="en-US" smtClean="0"/>
+              <a:t>8/17/17</a:t>
+            </a:fld>
+            <a:endParaRPr lang="en-US"/>
+          </a:p>
+        </p:txBody>
+      </p:sp>
+      <p:sp>
+        <p:nvSpPr>
+          <p:cNvPr id="3" name="Footer Placeholder 2"/>
+          <p:cNvSpPr>
+            <a:spLocks noGrp="1"/>
+          </p:cNvSpPr>
+          <p:nvPr>
+            <p:ph type="ftr" sz="quarter" idx="3"/>
           </p:nvPr>
         </p:nvSpPr>
         <p:spPr>
           <a:xfrm>
-            <a:off x="612648" y="1600200"/>
-            <a:ext cx="8153400" cy="4526280"/>
+            <a:off x="812802" y="6248403"/>
+            <a:ext cx="7228417" cy="365125"/>
           </a:xfrm>
           <a:prstGeom prst="rect">
             <a:avLst/>
           </a:prstGeom>
         </p:spPr>
         <p:txBody>
-          <a:bodyPr vert="horz">
-            <a:normAutofit/>
-          </a:bodyPr>
-          <a:lstStyle/>
-          <a:p>
-            <a:pPr lvl="0" eaLnBrk="1" latinLnBrk="0" hangingPunct="1"/>
-            <a:r>
-              <a:rPr kumimoji="0" lang="en-US" smtClean="0"/>
-              <a:t>Click to edit Master text styles</a:t>
-            </a:r>
-          </a:p>
-          <a:p>
-            <a:pPr lvl="1" eaLnBrk="1" latinLnBrk="0" hangingPunct="1"/>
-            <a:r>
-              <a:rPr kumimoji="0" lang="en-US" smtClean="0"/>
-              <a:t>Second level</a:t>
-            </a:r>
-          </a:p>
-          <a:p>
-            <a:pPr lvl="2" eaLnBrk="1" latinLnBrk="0" hangingPunct="1"/>
-            <a:r>
-              <a:rPr kumimoji="0" lang="en-US" smtClean="0"/>
-              <a:t>Third level</a:t>
-            </a:r>
-          </a:p>
-          <a:p>
-            <a:pPr lvl="3" eaLnBrk="1" latinLnBrk="0" hangingPunct="1"/>
-            <a:r>
-              <a:rPr kumimoji="0" lang="en-US" smtClean="0"/>
-              <a:t>Fourth level</a:t>
-            </a:r>
-          </a:p>
-          <a:p>
-            <a:pPr lvl="4" eaLnBrk="1" latinLnBrk="0" hangingPunct="1"/>
-            <a:r>
-              <a:rPr kumimoji="0" lang="en-US" smtClean="0"/>
-              <a:t>Fifth level</a:t>
-            </a:r>
-            <a:endParaRPr kumimoji="0" lang="en-US"/>
-          </a:p>
-        </p:txBody>
-      </p:sp>
-      <p:sp>
-        <p:nvSpPr>
-          <p:cNvPr id="14" name="Date Placeholder 13"/>
-          <p:cNvSpPr>
-            <a:spLocks noGrp="1"/>
-          </p:cNvSpPr>
-          <p:nvPr>
-            <p:ph type="dt" sz="half" idx="2"/>
-          </p:nvPr>
-        </p:nvSpPr>
-        <p:spPr>
-          <a:xfrm>
-            <a:off x="6096000" y="6248400"/>
-            <a:ext cx="2667000" cy="365125"/>
-          </a:xfrm>
-          <a:prstGeom prst="rect">
-            <a:avLst/>
-          </a:prstGeom>
-        </p:spPr>
-        <p:txBody>
-          <a:bodyPr vert="horz" anchor="ctr" anchorCtr="0"/>
+          <a:bodyPr vert="horz" anchor="ctr"/>
           <a:lstStyle>
-            <a:lvl1pPr algn="l" eaLnBrk="1" latinLnBrk="0" hangingPunct="1">
-              <a:defRPr kumimoji="0" sz="1400">
+            <a:lvl1pPr algn="r" eaLnBrk="1" fontAlgn="auto" latinLnBrk="0" hangingPunct="1">
+              <a:spcBef>
+                <a:spcPts val="0"/>
+              </a:spcBef>
+              <a:spcAft>
+                <a:spcPts val="0"/>
+              </a:spcAft>
+              <a:defRPr kumimoji="0" sz="1050" b="0" i="0">
                 <a:solidFill>
                   <a:schemeClr val="tx2"/>
                 </a:solidFill>
+                <a:latin typeface="Helvetica Neue Light" charset="0"/>
+                <a:ea typeface="Helvetica Neue Light" charset="0"/>
+                <a:cs typeface="Helvetica Neue Light" charset="0"/>
               </a:defRPr>
             </a:lvl1pPr>
           </a:lstStyle>
           <a:p>
-            <a:fld id="{A48BC6A3-4287-FB41-84FF-1B1578E1764A}" type="datetimeFigureOut">
-              <a:rPr lang="en-US" smtClean="0"/>
-              <a:t>10/10/16</a:t>
-            </a:fld>
-            <a:endParaRPr lang="en-US"/>
-          </a:p>
-        </p:txBody>
-      </p:sp>
-      <p:sp>
-        <p:nvSpPr>
-          <p:cNvPr id="3" name="Footer Placeholder 2"/>
-          <p:cNvSpPr>
-            <a:spLocks noGrp="1"/>
-          </p:cNvSpPr>
-          <p:nvPr>
-            <p:ph type="ftr" sz="quarter" idx="3"/>
-          </p:nvPr>
-        </p:nvSpPr>
-        <p:spPr>
-          <a:xfrm>
-            <a:off x="609600" y="6248206"/>
-            <a:ext cx="5421083" cy="365125"/>
-          </a:xfrm>
-          <a:prstGeom prst="rect">
-            <a:avLst/>
-          </a:prstGeom>
-        </p:spPr>
-        <p:txBody>
-          <a:bodyPr vert="horz" anchor="ctr"/>
-          <a:lstStyle>
-            <a:lvl1pPr algn="r" eaLnBrk="1" latinLnBrk="0" hangingPunct="1">
-              <a:defRPr kumimoji="0" sz="1400">
-                <a:solidFill>
-                  <a:schemeClr val="tx2"/>
-                </a:solidFill>
-              </a:defRPr>
-            </a:lvl1pPr>
-          </a:lstStyle>
-          <a:p>
             <a:endParaRPr lang="en-US"/>
           </a:p>
         </p:txBody>
@@ -4146,8 +4307,8 @@
         </p:nvSpPr>
         <p:spPr bwMode="white">
           <a:xfrm>
-            <a:off x="0" y="1234440"/>
-            <a:ext cx="9144000" cy="320040"/>
+            <a:off x="0" y="1235075"/>
+            <a:ext cx="12192000" cy="319088"/>
           </a:xfrm>
           <a:prstGeom prst="rect">
             <a:avLst/>
@@ -4179,8 +4340,16 @@
           <a:bodyPr anchor="ctr"/>
           <a:lstStyle/>
           <a:p>
-            <a:pPr algn="ctr" eaLnBrk="1" latinLnBrk="0" hangingPunct="1"/>
-            <a:endParaRPr kumimoji="0" lang="en-US"/>
+            <a:pPr algn="ctr" fontAlgn="auto">
+              <a:spcBef>
+                <a:spcPts val="0"/>
+              </a:spcBef>
+              <a:spcAft>
+                <a:spcPts val="0"/>
+              </a:spcAft>
+              <a:defRPr/>
+            </a:pPr>
+            <a:endParaRPr lang="en-US" sz="1350" dirty="0"/>
           </a:p>
         </p:txBody>
       </p:sp>
@@ -4192,8 +4361,8 @@
         </p:nvSpPr>
         <p:spPr>
           <a:xfrm>
-            <a:off x="0" y="1280160"/>
-            <a:ext cx="533400" cy="228600"/>
+            <a:off x="0" y="1279525"/>
+            <a:ext cx="711200" cy="228600"/>
           </a:xfrm>
           <a:prstGeom prst="rect">
             <a:avLst/>
@@ -4227,8 +4396,16 @@
           <a:bodyPr anchor="ctr"/>
           <a:lstStyle/>
           <a:p>
-            <a:pPr algn="ctr" eaLnBrk="1" latinLnBrk="0" hangingPunct="1"/>
-            <a:endParaRPr kumimoji="0" lang="en-US"/>
+            <a:pPr algn="ctr" fontAlgn="auto">
+              <a:spcBef>
+                <a:spcPts val="0"/>
+              </a:spcBef>
+              <a:spcAft>
+                <a:spcPts val="0"/>
+              </a:spcAft>
+              <a:defRPr/>
+            </a:pPr>
+            <a:endParaRPr lang="en-US" sz="1350" dirty="0"/>
           </a:p>
         </p:txBody>
       </p:sp>
@@ -4240,8 +4417,8 @@
         </p:nvSpPr>
         <p:spPr>
           <a:xfrm>
-            <a:off x="590550" y="1280160"/>
-            <a:ext cx="8553450" cy="228600"/>
+            <a:off x="787400" y="1279525"/>
+            <a:ext cx="11404600" cy="228600"/>
           </a:xfrm>
           <a:prstGeom prst="rect">
             <a:avLst/>
@@ -4275,182 +4452,290 @@
           <a:bodyPr anchor="ctr"/>
           <a:lstStyle/>
           <a:p>
-            <a:pPr algn="ctr" eaLnBrk="1" latinLnBrk="0" hangingPunct="1"/>
-            <a:endParaRPr kumimoji="0" lang="en-US"/>
-          </a:p>
-        </p:txBody>
-      </p:sp>
-      <p:sp>
-        <p:nvSpPr>
-          <p:cNvPr id="23" name="Slide Number Placeholder 22"/>
-          <p:cNvSpPr>
-            <a:spLocks noGrp="1"/>
-          </p:cNvSpPr>
-          <p:nvPr>
-            <p:ph type="sldNum" sz="quarter" idx="4"/>
-          </p:nvPr>
-        </p:nvSpPr>
-        <p:spPr>
-          <a:xfrm>
-            <a:off x="0" y="1272222"/>
-            <a:ext cx="533400" cy="244476"/>
-          </a:xfrm>
-          <a:prstGeom prst="rect">
-            <a:avLst/>
-          </a:prstGeom>
-        </p:spPr>
-        <p:txBody>
-          <a:bodyPr vert="horz" anchor="ctr" anchorCtr="0">
-            <a:normAutofit/>
-          </a:bodyPr>
-          <a:lstStyle>
-            <a:lvl1pPr algn="ctr" eaLnBrk="1" latinLnBrk="0" hangingPunct="1">
-              <a:defRPr kumimoji="0" sz="1400" b="1">
-                <a:solidFill>
-                  <a:srgbClr val="FFFFFF"/>
-                </a:solidFill>
-              </a:defRPr>
-            </a:lvl1pPr>
-          </a:lstStyle>
-          <a:p>
-            <a:fld id="{F46E0E8F-E880-574A-B851-02BD22F8A2F8}" type="slidenum">
-              <a:rPr lang="en-US" smtClean="0"/>
-              <a:t>‹#›</a:t>
-            </a:fld>
-            <a:endParaRPr lang="en-US"/>
+            <a:pPr algn="ctr" fontAlgn="auto">
+              <a:spcBef>
+                <a:spcPts val="0"/>
+              </a:spcBef>
+              <a:spcAft>
+                <a:spcPts val="0"/>
+              </a:spcAft>
+              <a:defRPr/>
+            </a:pPr>
+            <a:endParaRPr lang="en-US" sz="1350" dirty="0"/>
           </a:p>
         </p:txBody>
       </p:sp>
     </p:spTree>
+    <p:extLst>
+      <p:ext uri="{BB962C8B-B14F-4D97-AF65-F5344CB8AC3E}">
+        <p14:creationId xmlns:p14="http://schemas.microsoft.com/office/powerpoint/2010/main" val="1156478370"/>
+      </p:ext>
+    </p:extLst>
   </p:cSld>
   <p:clrMap bg1="dk1" tx1="lt1" bg2="dk2" tx2="lt2" accent1="accent1" accent2="accent2" accent3="accent3" accent4="accent4" accent5="accent5" accent6="accent6" hlink="hlink" folHlink="folHlink"/>
   <p:sldLayoutIdLst>
-    <p:sldLayoutId id="2147483661" r:id="rId1"/>
-    <p:sldLayoutId id="2147483662" r:id="rId2"/>
-    <p:sldLayoutId id="2147483663" r:id="rId3"/>
-    <p:sldLayoutId id="2147483664" r:id="rId4"/>
-    <p:sldLayoutId id="2147483665" r:id="rId5"/>
-    <p:sldLayoutId id="2147483666" r:id="rId6"/>
-    <p:sldLayoutId id="2147483667" r:id="rId7"/>
-    <p:sldLayoutId id="2147483668" r:id="rId8"/>
-    <p:sldLayoutId id="2147483669" r:id="rId9"/>
-    <p:sldLayoutId id="2147483670" r:id="rId10"/>
-    <p:sldLayoutId id="2147483671" r:id="rId11"/>
+    <p:sldLayoutId id="2147483673" r:id="rId1"/>
+    <p:sldLayoutId id="2147483674" r:id="rId2"/>
+    <p:sldLayoutId id="2147483675" r:id="rId3"/>
+    <p:sldLayoutId id="2147483676" r:id="rId4"/>
+    <p:sldLayoutId id="2147483677" r:id="rId5"/>
+    <p:sldLayoutId id="2147483678" r:id="rId6"/>
+    <p:sldLayoutId id="2147483679" r:id="rId7"/>
+    <p:sldLayoutId id="2147483680" r:id="rId8"/>
+    <p:sldLayoutId id="2147483681" r:id="rId9"/>
+    <p:sldLayoutId id="2147483682" r:id="rId10"/>
+    <p:sldLayoutId id="2147483683" r:id="rId11"/>
   </p:sldLayoutIdLst>
+  <p:timing>
+    <p:tnLst>
+      <p:par>
+        <p:cTn id="1" dur="indefinite" restart="never" nodeType="tmRoot"/>
+      </p:par>
+    </p:tnLst>
+  </p:timing>
   <p:txStyles>
     <p:titleStyle>
-      <a:lvl1pPr algn="l" rtl="0" eaLnBrk="1" latinLnBrk="0" hangingPunct="1">
+      <a:lvl1pPr algn="l" rtl="0" eaLnBrk="1" fontAlgn="base" hangingPunct="1">
         <a:spcBef>
           <a:spcPct val="0"/>
         </a:spcBef>
-        <a:buNone/>
-        <a:defRPr kumimoji="0" sz="4400" kern="1200">
+        <a:spcAft>
+          <a:spcPct val="0"/>
+        </a:spcAft>
+        <a:defRPr sz="3300" b="0" i="0" kern="1200">
           <a:solidFill>
             <a:schemeClr val="tx2"/>
           </a:solidFill>
-          <a:latin typeface="+mj-lt"/>
-          <a:ea typeface="+mj-ea"/>
-          <a:cs typeface="+mj-cs"/>
+          <a:latin typeface="Helvetica Neue Light" charset="0"/>
+          <a:ea typeface="Helvetica Neue Light" charset="0"/>
+          <a:cs typeface="Helvetica Neue Light" charset="0"/>
         </a:defRPr>
       </a:lvl1pPr>
+      <a:lvl2pPr algn="l" rtl="0" eaLnBrk="1" fontAlgn="base" hangingPunct="1">
+        <a:spcBef>
+          <a:spcPct val="0"/>
+        </a:spcBef>
+        <a:spcAft>
+          <a:spcPct val="0"/>
+        </a:spcAft>
+        <a:defRPr sz="3300">
+          <a:solidFill>
+            <a:schemeClr val="tx2"/>
+          </a:solidFill>
+          <a:latin typeface="Verdana" pitchFamily="34" charset="0"/>
+        </a:defRPr>
+      </a:lvl2pPr>
+      <a:lvl3pPr algn="l" rtl="0" eaLnBrk="1" fontAlgn="base" hangingPunct="1">
+        <a:spcBef>
+          <a:spcPct val="0"/>
+        </a:spcBef>
+        <a:spcAft>
+          <a:spcPct val="0"/>
+        </a:spcAft>
+        <a:defRPr sz="3300">
+          <a:solidFill>
+            <a:schemeClr val="tx2"/>
+          </a:solidFill>
+          <a:latin typeface="Verdana" pitchFamily="34" charset="0"/>
+        </a:defRPr>
+      </a:lvl3pPr>
+      <a:lvl4pPr algn="l" rtl="0" eaLnBrk="1" fontAlgn="base" hangingPunct="1">
+        <a:spcBef>
+          <a:spcPct val="0"/>
+        </a:spcBef>
+        <a:spcAft>
+          <a:spcPct val="0"/>
+        </a:spcAft>
+        <a:defRPr sz="3300">
+          <a:solidFill>
+            <a:schemeClr val="tx2"/>
+          </a:solidFill>
+          <a:latin typeface="Verdana" pitchFamily="34" charset="0"/>
+        </a:defRPr>
+      </a:lvl4pPr>
+      <a:lvl5pPr algn="l" rtl="0" eaLnBrk="1" fontAlgn="base" hangingPunct="1">
+        <a:spcBef>
+          <a:spcPct val="0"/>
+        </a:spcBef>
+        <a:spcAft>
+          <a:spcPct val="0"/>
+        </a:spcAft>
+        <a:defRPr sz="3300">
+          <a:solidFill>
+            <a:schemeClr val="tx2"/>
+          </a:solidFill>
+          <a:latin typeface="Verdana" pitchFamily="34" charset="0"/>
+        </a:defRPr>
+      </a:lvl5pPr>
+      <a:lvl6pPr marL="342900" algn="l" rtl="0" eaLnBrk="1" fontAlgn="base" hangingPunct="1">
+        <a:spcBef>
+          <a:spcPct val="0"/>
+        </a:spcBef>
+        <a:spcAft>
+          <a:spcPct val="0"/>
+        </a:spcAft>
+        <a:defRPr sz="3300">
+          <a:solidFill>
+            <a:schemeClr val="tx2"/>
+          </a:solidFill>
+          <a:latin typeface="Verdana" pitchFamily="34" charset="0"/>
+        </a:defRPr>
+      </a:lvl6pPr>
+      <a:lvl7pPr marL="685800" algn="l" rtl="0" eaLnBrk="1" fontAlgn="base" hangingPunct="1">
+        <a:spcBef>
+          <a:spcPct val="0"/>
+        </a:spcBef>
+        <a:spcAft>
+          <a:spcPct val="0"/>
+        </a:spcAft>
+        <a:defRPr sz="3300">
+          <a:solidFill>
+            <a:schemeClr val="tx2"/>
+          </a:solidFill>
+          <a:latin typeface="Verdana" pitchFamily="34" charset="0"/>
+        </a:defRPr>
+      </a:lvl7pPr>
+      <a:lvl8pPr marL="1028700" algn="l" rtl="0" eaLnBrk="1" fontAlgn="base" hangingPunct="1">
+        <a:spcBef>
+          <a:spcPct val="0"/>
+        </a:spcBef>
+        <a:spcAft>
+          <a:spcPct val="0"/>
+        </a:spcAft>
+        <a:defRPr sz="3300">
+          <a:solidFill>
+            <a:schemeClr val="tx2"/>
+          </a:solidFill>
+          <a:latin typeface="Verdana" pitchFamily="34" charset="0"/>
+        </a:defRPr>
+      </a:lvl8pPr>
+      <a:lvl9pPr marL="1371600" algn="l" rtl="0" eaLnBrk="1" fontAlgn="base" hangingPunct="1">
+        <a:spcBef>
+          <a:spcPct val="0"/>
+        </a:spcBef>
+        <a:spcAft>
+          <a:spcPct val="0"/>
+        </a:spcAft>
+        <a:defRPr sz="3300">
+          <a:solidFill>
+            <a:schemeClr val="tx2"/>
+          </a:solidFill>
+          <a:latin typeface="Verdana" pitchFamily="34" charset="0"/>
+        </a:defRPr>
+      </a:lvl9pPr>
     </p:titleStyle>
     <p:bodyStyle>
-      <a:lvl1pPr marL="320040" indent="-320040" algn="l" rtl="0" eaLnBrk="1" latinLnBrk="0" hangingPunct="1">
+      <a:lvl1pPr marL="239316" indent="-239316" algn="l" rtl="0" eaLnBrk="1" fontAlgn="base" hangingPunct="1">
         <a:spcBef>
-          <a:spcPts val="700"/>
+          <a:spcPts val="525"/>
         </a:spcBef>
+        <a:spcAft>
+          <a:spcPct val="0"/>
+        </a:spcAft>
         <a:buClr>
           <a:schemeClr val="accent2"/>
         </a:buClr>
         <a:buSzPct val="60000"/>
-        <a:buFont typeface="Wingdings"/>
+        <a:buFont typeface="Wingdings" pitchFamily="2" charset="2"/>
         <a:buChar char=""/>
-        <a:defRPr kumimoji="0" sz="2900" kern="1200">
+        <a:defRPr sz="2175" b="0" i="0" kern="1200">
           <a:solidFill>
             <a:schemeClr val="tx1"/>
           </a:solidFill>
-          <a:latin typeface="+mn-lt"/>
-          <a:ea typeface="+mn-ea"/>
-          <a:cs typeface="+mn-cs"/>
+          <a:latin typeface="Helvetica Neue Light" charset="0"/>
+          <a:ea typeface="Helvetica Neue Light" charset="0"/>
+          <a:cs typeface="Helvetica Neue Light" charset="0"/>
         </a:defRPr>
       </a:lvl1pPr>
-      <a:lvl2pPr marL="640080" indent="-274320" algn="l" rtl="0" eaLnBrk="1" latinLnBrk="0" hangingPunct="1">
+      <a:lvl2pPr marL="479822" indent="-204788" algn="l" rtl="0" eaLnBrk="1" fontAlgn="base" hangingPunct="1">
         <a:spcBef>
-          <a:spcPts val="550"/>
+          <a:spcPts val="413"/>
         </a:spcBef>
+        <a:spcAft>
+          <a:spcPct val="0"/>
+        </a:spcAft>
         <a:buClr>
           <a:schemeClr val="accent1"/>
         </a:buClr>
         <a:buSzPct val="70000"/>
-        <a:buFont typeface="Wingdings 2"/>
+        <a:buFont typeface="Wingdings 2" pitchFamily="18" charset="2"/>
         <a:buChar char=""/>
-        <a:defRPr kumimoji="0" sz="2600" kern="1200">
+        <a:defRPr sz="1950" b="0" i="0" kern="1200">
           <a:solidFill>
             <a:schemeClr val="tx1"/>
           </a:solidFill>
-          <a:latin typeface="+mn-lt"/>
-          <a:ea typeface="+mn-ea"/>
-          <a:cs typeface="+mn-cs"/>
+          <a:latin typeface="Helvetica Neue Light" charset="0"/>
+          <a:ea typeface="Helvetica Neue Light" charset="0"/>
+          <a:cs typeface="Helvetica Neue Light" charset="0"/>
         </a:defRPr>
       </a:lvl2pPr>
-      <a:lvl3pPr marL="914400" indent="-228600" algn="l" rtl="0" eaLnBrk="1" latinLnBrk="0" hangingPunct="1">
+      <a:lvl3pPr marL="685800" indent="-171450" algn="l" rtl="0" eaLnBrk="1" fontAlgn="base" hangingPunct="1">
         <a:spcBef>
-          <a:spcPts val="500"/>
+          <a:spcPts val="375"/>
         </a:spcBef>
+        <a:spcAft>
+          <a:spcPct val="0"/>
+        </a:spcAft>
         <a:buClr>
           <a:schemeClr val="accent2"/>
         </a:buClr>
         <a:buSzPct val="75000"/>
-        <a:buFont typeface="Wingdings"/>
+        <a:buFont typeface="Wingdings" pitchFamily="2" charset="2"/>
         <a:buChar char=""/>
-        <a:defRPr kumimoji="0" sz="2300" kern="1200">
+        <a:defRPr sz="1725" b="0" i="0" kern="1200">
           <a:solidFill>
             <a:schemeClr val="tx1"/>
           </a:solidFill>
-          <a:latin typeface="+mn-lt"/>
-          <a:ea typeface="+mn-ea"/>
-          <a:cs typeface="+mn-cs"/>
+          <a:latin typeface="Helvetica Neue Light" charset="0"/>
+          <a:ea typeface="Helvetica Neue Light" charset="0"/>
+          <a:cs typeface="Helvetica Neue Light" charset="0"/>
         </a:defRPr>
       </a:lvl3pPr>
-      <a:lvl4pPr marL="1371600" indent="-228600" algn="l" rtl="0" eaLnBrk="1" latinLnBrk="0" hangingPunct="1">
+      <a:lvl4pPr marL="1028700" indent="-171450" algn="l" rtl="0" eaLnBrk="1" fontAlgn="base" hangingPunct="1">
         <a:spcBef>
-          <a:spcPts val="400"/>
+          <a:spcPts val="300"/>
         </a:spcBef>
+        <a:spcAft>
+          <a:spcPct val="0"/>
+        </a:spcAft>
         <a:buClr>
-          <a:schemeClr val="accent3"/>
+          <a:srgbClr val="E66C7D"/>
         </a:buClr>
         <a:buSzPct val="75000"/>
-        <a:buFont typeface="Wingdings"/>
+        <a:buFont typeface="Wingdings" pitchFamily="2" charset="2"/>
         <a:buChar char=""/>
-        <a:defRPr kumimoji="0" sz="2000" kern="1200">
+        <a:defRPr sz="1500" b="0" i="0" kern="1200">
           <a:solidFill>
             <a:schemeClr val="tx1"/>
           </a:solidFill>
-          <a:latin typeface="+mn-lt"/>
-          <a:ea typeface="+mn-ea"/>
-          <a:cs typeface="+mn-cs"/>
+          <a:latin typeface="Helvetica Neue Light" charset="0"/>
+          <a:ea typeface="Helvetica Neue Light" charset="0"/>
+          <a:cs typeface="Helvetica Neue Light" charset="0"/>
         </a:defRPr>
       </a:lvl4pPr>
-      <a:lvl5pPr marL="1828800" indent="-228600" algn="l" rtl="0" eaLnBrk="1" latinLnBrk="0" hangingPunct="1">
+      <a:lvl5pPr marL="1371600" indent="-171450" algn="l" rtl="0" eaLnBrk="1" fontAlgn="base" hangingPunct="1">
         <a:spcBef>
-          <a:spcPts val="400"/>
+          <a:spcPts val="300"/>
         </a:spcBef>
+        <a:spcAft>
+          <a:spcPct val="0"/>
+        </a:spcAft>
         <a:buClr>
-          <a:schemeClr val="accent4"/>
+          <a:srgbClr val="6BB76D"/>
         </a:buClr>
         <a:buSzPct val="65000"/>
-        <a:buFont typeface="Wingdings"/>
+        <a:buFont typeface="Wingdings" pitchFamily="2" charset="2"/>
         <a:buChar char=""/>
-        <a:defRPr kumimoji="0" sz="2000" kern="1200">
+        <a:defRPr sz="1500" b="0" i="0" kern="1200">
           <a:solidFill>
             <a:schemeClr val="tx1"/>
           </a:solidFill>
-          <a:latin typeface="+mn-lt"/>
-          <a:ea typeface="+mn-ea"/>
-          <a:cs typeface="+mn-cs"/>
+          <a:latin typeface="Helvetica Neue Light" charset="0"/>
+          <a:ea typeface="Helvetica Neue Light" charset="0"/>
+          <a:cs typeface="Helvetica Neue Light" charset="0"/>
         </a:defRPr>
       </a:lvl5pPr>
-      <a:lvl6pPr marL="2103120" indent="-228600" algn="l" rtl="0" eaLnBrk="1" latinLnBrk="0" hangingPunct="1">
+      <a:lvl6pPr marL="1577340" indent="-171450" algn="l" rtl="0" eaLnBrk="1" latinLnBrk="0" hangingPunct="1">
         <a:spcBef>
           <a:spcPct val="20000"/>
         </a:spcBef>
@@ -4459,7 +4744,7 @@
         </a:buClr>
         <a:buFont typeface="Wingdings"/>
         <a:buChar char="§"/>
-        <a:defRPr kumimoji="0" sz="1800" kern="1200" baseline="0">
+        <a:defRPr kumimoji="0" sz="1350" kern="1200" baseline="0">
           <a:solidFill>
             <a:schemeClr val="tx1"/>
           </a:solidFill>
@@ -4468,7 +4753,7 @@
           <a:cs typeface="+mn-cs"/>
         </a:defRPr>
       </a:lvl6pPr>
-      <a:lvl7pPr marL="2377440" indent="-228600" algn="l" rtl="0" eaLnBrk="1" latinLnBrk="0" hangingPunct="1">
+      <a:lvl7pPr marL="1783080" indent="-171450" algn="l" rtl="0" eaLnBrk="1" latinLnBrk="0" hangingPunct="1">
         <a:spcBef>
           <a:spcPct val="20000"/>
         </a:spcBef>
@@ -4477,7 +4762,7 @@
         </a:buClr>
         <a:buFont typeface="Wingdings"/>
         <a:buChar char="§"/>
-        <a:defRPr kumimoji="0" sz="1800" kern="1200" baseline="0">
+        <a:defRPr kumimoji="0" sz="1350" kern="1200" baseline="0">
           <a:solidFill>
             <a:schemeClr val="tx1"/>
           </a:solidFill>
@@ -4486,7 +4771,7 @@
           <a:cs typeface="+mn-cs"/>
         </a:defRPr>
       </a:lvl7pPr>
-      <a:lvl8pPr marL="2651760" indent="-228600" algn="l" rtl="0" eaLnBrk="1" latinLnBrk="0" hangingPunct="1">
+      <a:lvl8pPr marL="1988820" indent="-171450" algn="l" rtl="0" eaLnBrk="1" latinLnBrk="0" hangingPunct="1">
         <a:spcBef>
           <a:spcPct val="20000"/>
         </a:spcBef>
@@ -4495,7 +4780,7 @@
         </a:buClr>
         <a:buFont typeface="Wingdings"/>
         <a:buChar char="§"/>
-        <a:defRPr kumimoji="0" sz="1800" kern="1200" baseline="0">
+        <a:defRPr kumimoji="0" sz="1350" kern="1200" baseline="0">
           <a:solidFill>
             <a:schemeClr val="tx1"/>
           </a:solidFill>
@@ -4504,7 +4789,7 @@
           <a:cs typeface="+mn-cs"/>
         </a:defRPr>
       </a:lvl8pPr>
-      <a:lvl9pPr marL="2926080" indent="-228600" algn="l" rtl="0" eaLnBrk="1" latinLnBrk="0" hangingPunct="1">
+      <a:lvl9pPr marL="2194560" indent="-171450" algn="l" rtl="0" eaLnBrk="1" latinLnBrk="0" hangingPunct="1">
         <a:spcBef>
           <a:spcPct val="20000"/>
         </a:spcBef>
@@ -4513,7 +4798,7 @@
         </a:buClr>
         <a:buFont typeface="Wingdings"/>
         <a:buChar char="§"/>
-        <a:defRPr kumimoji="0" sz="1800" kern="1200" baseline="0">
+        <a:defRPr kumimoji="0" sz="1350" kern="1200" baseline="0">
           <a:solidFill>
             <a:schemeClr val="tx1"/>
           </a:solidFill>
@@ -4534,7 +4819,7 @@
           <a:cs typeface="+mn-cs"/>
         </a:defRPr>
       </a:lvl1pPr>
-      <a:lvl2pPr marL="457200" algn="l" rtl="0" eaLnBrk="1" latinLnBrk="0" hangingPunct="1">
+      <a:lvl2pPr marL="342900" algn="l" rtl="0" eaLnBrk="1" latinLnBrk="0" hangingPunct="1">
         <a:defRPr kumimoji="0" kern="1200">
           <a:solidFill>
             <a:schemeClr val="tx1"/>
@@ -4544,7 +4829,7 @@
           <a:cs typeface="+mn-cs"/>
         </a:defRPr>
       </a:lvl2pPr>
-      <a:lvl3pPr marL="914400" algn="l" rtl="0" eaLnBrk="1" latinLnBrk="0" hangingPunct="1">
+      <a:lvl3pPr marL="685800" algn="l" rtl="0" eaLnBrk="1" latinLnBrk="0" hangingPunct="1">
         <a:defRPr kumimoji="0" kern="1200">
           <a:solidFill>
             <a:schemeClr val="tx1"/>
@@ -4554,7 +4839,7 @@
           <a:cs typeface="+mn-cs"/>
         </a:defRPr>
       </a:lvl3pPr>
-      <a:lvl4pPr marL="1371600" algn="l" rtl="0" eaLnBrk="1" latinLnBrk="0" hangingPunct="1">
+      <a:lvl4pPr marL="1028700" algn="l" rtl="0" eaLnBrk="1" latinLnBrk="0" hangingPunct="1">
         <a:defRPr kumimoji="0" kern="1200">
           <a:solidFill>
             <a:schemeClr val="tx1"/>
@@ -4564,7 +4849,7 @@
           <a:cs typeface="+mn-cs"/>
         </a:defRPr>
       </a:lvl4pPr>
-      <a:lvl5pPr marL="1828800" algn="l" rtl="0" eaLnBrk="1" latinLnBrk="0" hangingPunct="1">
+      <a:lvl5pPr marL="1371600" algn="l" rtl="0" eaLnBrk="1" latinLnBrk="0" hangingPunct="1">
         <a:defRPr kumimoji="0" kern="1200">
           <a:solidFill>
             <a:schemeClr val="tx1"/>
@@ -4574,7 +4859,7 @@
           <a:cs typeface="+mn-cs"/>
         </a:defRPr>
       </a:lvl5pPr>
-      <a:lvl6pPr marL="2286000" algn="l" rtl="0" eaLnBrk="1" latinLnBrk="0" hangingPunct="1">
+      <a:lvl6pPr marL="1714500" algn="l" rtl="0" eaLnBrk="1" latinLnBrk="0" hangingPunct="1">
         <a:defRPr kumimoji="0" kern="1200">
           <a:solidFill>
             <a:schemeClr val="tx1"/>
@@ -4584,7 +4869,7 @@
           <a:cs typeface="+mn-cs"/>
         </a:defRPr>
       </a:lvl6pPr>
-      <a:lvl7pPr marL="2743200" algn="l" rtl="0" eaLnBrk="1" latinLnBrk="0" hangingPunct="1">
+      <a:lvl7pPr marL="2057400" algn="l" rtl="0" eaLnBrk="1" latinLnBrk="0" hangingPunct="1">
         <a:defRPr kumimoji="0" kern="1200">
           <a:solidFill>
             <a:schemeClr val="tx1"/>
@@ -4594,7 +4879,7 @@
           <a:cs typeface="+mn-cs"/>
         </a:defRPr>
       </a:lvl7pPr>
-      <a:lvl8pPr marL="3200400" algn="l" rtl="0" eaLnBrk="1" latinLnBrk="0" hangingPunct="1">
+      <a:lvl8pPr marL="2400300" algn="l" rtl="0" eaLnBrk="1" latinLnBrk="0" hangingPunct="1">
         <a:defRPr kumimoji="0" kern="1200">
           <a:solidFill>
             <a:schemeClr val="tx1"/>
@@ -4604,7 +4889,7 @@
           <a:cs typeface="+mn-cs"/>
         </a:defRPr>
       </a:lvl8pPr>
-      <a:lvl9pPr marL="3657600" algn="l" rtl="0" eaLnBrk="1" latinLnBrk="0" hangingPunct="1">
+      <a:lvl9pPr marL="2743200" algn="l" rtl="0" eaLnBrk="1" latinLnBrk="0" hangingPunct="1">
         <a:defRPr kumimoji="0" kern="1200">
           <a:solidFill>
             <a:schemeClr val="tx1"/>
@@ -4646,11 +4931,17 @@
             <p:ph type="ctrTitle"/>
           </p:nvPr>
         </p:nvSpPr>
-        <p:spPr/>
-        <p:txBody>
-          <a:bodyPr/>
-          <a:lstStyle/>
-          <a:p>
+        <p:spPr>
+          <a:xfrm>
+            <a:off x="0" y="4038600"/>
+            <a:ext cx="12192000" cy="1828800"/>
+          </a:xfrm>
+        </p:spPr>
+        <p:txBody>
+          <a:bodyPr/>
+          <a:lstStyle/>
+          <a:p>
+            <a:pPr algn="ctr"/>
             <a:r>
               <a:rPr lang="en-US" dirty="0" smtClean="0"/>
               <a:t>Dynamics and Tactics</a:t>
@@ -4700,7 +4991,7 @@
         </p:blipFill>
         <p:spPr>
           <a:xfrm>
-            <a:off x="1646910" y="444406"/>
+            <a:off x="3170910" y="444407"/>
             <a:ext cx="5830122" cy="4478991"/>
           </a:xfrm>
           <a:prstGeom prst="rect">
@@ -4718,13 +5009,13 @@
   <p:clrMapOvr>
     <a:masterClrMapping/>
   </p:clrMapOvr>
-  <mc:AlternateContent xmlns:mc="http://schemas.openxmlformats.org/markup-compatibility/2006">
-    <mc:Choice xmlns:p14="http://schemas.microsoft.com/office/powerpoint/2010/main" Requires="p14">
+  <mc:AlternateContent xmlns:mc="http://schemas.openxmlformats.org/markup-compatibility/2006" xmlns:p14="http://schemas.microsoft.com/office/powerpoint/2010/main">
+    <mc:Choice Requires="p14">
       <p:transition spd="med" p14:dur="700">
         <p:fade/>
       </p:transition>
     </mc:Choice>
-    <mc:Fallback>
+    <mc:Fallback xmlns="">
       <p:transition xmlns:p14="http://schemas.microsoft.com/office/powerpoint/2010/main" spd="med">
         <p:fade/>
       </p:transition>
@@ -4818,13 +5109,13 @@
   <p:clrMapOvr>
     <a:masterClrMapping/>
   </p:clrMapOvr>
-  <mc:AlternateContent xmlns:mc="http://schemas.openxmlformats.org/markup-compatibility/2006">
-    <mc:Choice xmlns:p14="http://schemas.microsoft.com/office/powerpoint/2010/main" Requires="p14">
+  <mc:AlternateContent xmlns:mc="http://schemas.openxmlformats.org/markup-compatibility/2006" xmlns:p14="http://schemas.microsoft.com/office/powerpoint/2010/main">
+    <mc:Choice Requires="p14">
       <p:transition spd="med" p14:dur="700">
         <p:fade/>
       </p:transition>
     </mc:Choice>
-    <mc:Fallback>
+    <mc:Fallback xmlns="">
       <p:transition xmlns:p14="http://schemas.microsoft.com/office/powerpoint/2010/main" spd="med">
         <p:fade/>
       </p:transition>
@@ -4912,13 +5203,13 @@
   <p:clrMapOvr>
     <a:masterClrMapping/>
   </p:clrMapOvr>
-  <mc:AlternateContent xmlns:mc="http://schemas.openxmlformats.org/markup-compatibility/2006">
-    <mc:Choice xmlns:p14="http://schemas.microsoft.com/office/powerpoint/2010/main" Requires="p14">
+  <mc:AlternateContent xmlns:mc="http://schemas.openxmlformats.org/markup-compatibility/2006" xmlns:p14="http://schemas.microsoft.com/office/powerpoint/2010/main">
+    <mc:Choice Requires="p14">
       <p:transition spd="med" p14:dur="700">
         <p:fade/>
       </p:transition>
     </mc:Choice>
-    <mc:Fallback>
+    <mc:Fallback xmlns="">
       <p:transition xmlns:p14="http://schemas.microsoft.com/office/powerpoint/2010/main" spd="med">
         <p:fade/>
       </p:transition>
@@ -5006,13 +5297,13 @@
   <p:clrMapOvr>
     <a:masterClrMapping/>
   </p:clrMapOvr>
-  <mc:AlternateContent xmlns:mc="http://schemas.openxmlformats.org/markup-compatibility/2006">
-    <mc:Choice xmlns:p14="http://schemas.microsoft.com/office/powerpoint/2010/main" Requires="p14">
+  <mc:AlternateContent xmlns:mc="http://schemas.openxmlformats.org/markup-compatibility/2006" xmlns:p14="http://schemas.microsoft.com/office/powerpoint/2010/main">
+    <mc:Choice Requires="p14">
       <p:transition spd="med" p14:dur="700">
         <p:fade/>
       </p:transition>
     </mc:Choice>
-    <mc:Fallback>
+    <mc:Fallback xmlns="">
       <p:transition xmlns:p14="http://schemas.microsoft.com/office/powerpoint/2010/main" spd="med">
         <p:fade/>
       </p:transition>
@@ -5100,13 +5391,13 @@
   <p:clrMapOvr>
     <a:masterClrMapping/>
   </p:clrMapOvr>
-  <mc:AlternateContent xmlns:mc="http://schemas.openxmlformats.org/markup-compatibility/2006">
-    <mc:Choice xmlns:p14="http://schemas.microsoft.com/office/powerpoint/2010/main" Requires="p14">
+  <mc:AlternateContent xmlns:mc="http://schemas.openxmlformats.org/markup-compatibility/2006" xmlns:p14="http://schemas.microsoft.com/office/powerpoint/2010/main">
+    <mc:Choice Requires="p14">
       <p:transition spd="med" p14:dur="700">
         <p:fade/>
       </p:transition>
     </mc:Choice>
-    <mc:Fallback>
+    <mc:Fallback xmlns="">
       <p:transition xmlns:p14="http://schemas.microsoft.com/office/powerpoint/2010/main" spd="med">
         <p:fade/>
       </p:transition>
@@ -5151,7 +5442,6 @@
               <a:rPr lang="en-US" dirty="0"/>
               <a:t>Coalitions</a:t>
             </a:r>
-            <a:endParaRPr lang="en-US" dirty="0"/>
           </a:p>
         </p:txBody>
       </p:sp>
@@ -5206,13 +5496,13 @@
   <p:clrMapOvr>
     <a:masterClrMapping/>
   </p:clrMapOvr>
-  <mc:AlternateContent xmlns:mc="http://schemas.openxmlformats.org/markup-compatibility/2006">
-    <mc:Choice xmlns:p14="http://schemas.microsoft.com/office/powerpoint/2010/main" Requires="p14">
+  <mc:AlternateContent xmlns:mc="http://schemas.openxmlformats.org/markup-compatibility/2006" xmlns:p14="http://schemas.microsoft.com/office/powerpoint/2010/main">
+    <mc:Choice Requires="p14">
       <p:transition spd="med" p14:dur="700">
         <p:fade/>
       </p:transition>
     </mc:Choice>
-    <mc:Fallback>
+    <mc:Fallback xmlns="">
       <p:transition xmlns:p14="http://schemas.microsoft.com/office/powerpoint/2010/main" spd="med">
         <p:fade/>
       </p:transition>
@@ -5299,11 +5589,7 @@
           <a:p>
             <a:r>
               <a:rPr lang="en-US" dirty="0" smtClean="0"/>
-              <a:t>Resources d</a:t>
-            </a:r>
-            <a:r>
-              <a:rPr lang="en-US" dirty="0" smtClean="0"/>
-              <a:t>iminish with more SMOs</a:t>
+              <a:t>Resources diminish with more SMOs</a:t>
             </a:r>
           </a:p>
           <a:p>
@@ -5325,13 +5611,13 @@
   <p:clrMapOvr>
     <a:masterClrMapping/>
   </p:clrMapOvr>
-  <mc:AlternateContent xmlns:mc="http://schemas.openxmlformats.org/markup-compatibility/2006">
-    <mc:Choice xmlns:p14="http://schemas.microsoft.com/office/powerpoint/2010/main" Requires="p14">
+  <mc:AlternateContent xmlns:mc="http://schemas.openxmlformats.org/markup-compatibility/2006" xmlns:p14="http://schemas.microsoft.com/office/powerpoint/2010/main">
+    <mc:Choice Requires="p14">
       <p:transition spd="med" p14:dur="700">
         <p:fade/>
       </p:transition>
     </mc:Choice>
-    <mc:Fallback>
+    <mc:Fallback xmlns="">
       <p:transition xmlns:p14="http://schemas.microsoft.com/office/powerpoint/2010/main" spd="med">
         <p:fade/>
       </p:transition>
@@ -5419,13 +5705,13 @@
   <p:clrMapOvr>
     <a:masterClrMapping/>
   </p:clrMapOvr>
-  <mc:AlternateContent xmlns:mc="http://schemas.openxmlformats.org/markup-compatibility/2006">
-    <mc:Choice xmlns:p14="http://schemas.microsoft.com/office/powerpoint/2010/main" Requires="p14">
+  <mc:AlternateContent xmlns:mc="http://schemas.openxmlformats.org/markup-compatibility/2006" xmlns:p14="http://schemas.microsoft.com/office/powerpoint/2010/main">
+    <mc:Choice Requires="p14">
       <p:transition spd="med" p14:dur="700">
         <p:fade/>
       </p:transition>
     </mc:Choice>
-    <mc:Fallback>
+    <mc:Fallback xmlns="">
       <p:transition xmlns:p14="http://schemas.microsoft.com/office/powerpoint/2010/main" spd="med">
         <p:fade/>
       </p:transition>
@@ -5434,7 +5720,7 @@
   <p:timing>
     <p:tnLst>
       <p:par>
-        <p:cTn xmlns:p14="http://schemas.microsoft.com/office/powerpoint/2010/main" id="1" dur="indefinite" restart="never" nodeType="tmRoot"/>
+        <p:cTn id="1" dur="indefinite" restart="never" nodeType="tmRoot"/>
       </p:par>
     </p:tnLst>
   </p:timing>
@@ -5521,13 +5807,13 @@
   <p:clrMapOvr>
     <a:masterClrMapping/>
   </p:clrMapOvr>
-  <mc:AlternateContent xmlns:mc="http://schemas.openxmlformats.org/markup-compatibility/2006">
-    <mc:Choice xmlns:p14="http://schemas.microsoft.com/office/powerpoint/2010/main" Requires="p14">
+  <mc:AlternateContent xmlns:mc="http://schemas.openxmlformats.org/markup-compatibility/2006" xmlns:p14="http://schemas.microsoft.com/office/powerpoint/2010/main">
+    <mc:Choice Requires="p14">
       <p:transition spd="med" p14:dur="700">
         <p:fade/>
       </p:transition>
     </mc:Choice>
-    <mc:Fallback>
+    <mc:Fallback xmlns="">
       <p:transition xmlns:p14="http://schemas.microsoft.com/office/powerpoint/2010/main" spd="med">
         <p:fade/>
       </p:transition>
@@ -5536,7 +5822,7 @@
   <p:timing>
     <p:tnLst>
       <p:par>
-        <p:cTn xmlns:p14="http://schemas.microsoft.com/office/powerpoint/2010/main" id="1" dur="indefinite" restart="never" nodeType="tmRoot"/>
+        <p:cTn id="1" dur="indefinite" restart="never" nodeType="tmRoot"/>
       </p:par>
     </p:tnLst>
   </p:timing>
@@ -5644,13 +5930,13 @@
   <p:clrMapOvr>
     <a:masterClrMapping/>
   </p:clrMapOvr>
-  <mc:AlternateContent xmlns:mc="http://schemas.openxmlformats.org/markup-compatibility/2006">
-    <mc:Choice xmlns:p14="http://schemas.microsoft.com/office/powerpoint/2010/main" Requires="p14">
+  <mc:AlternateContent xmlns:mc="http://schemas.openxmlformats.org/markup-compatibility/2006" xmlns:p14="http://schemas.microsoft.com/office/powerpoint/2010/main">
+    <mc:Choice Requires="p14">
       <p:transition spd="med" p14:dur="700">
         <p:fade/>
       </p:transition>
     </mc:Choice>
-    <mc:Fallback>
+    <mc:Fallback xmlns="">
       <p:transition xmlns:p14="http://schemas.microsoft.com/office/powerpoint/2010/main" spd="med">
         <p:fade/>
       </p:transition>
@@ -5689,7 +5975,7 @@
         <p:spPr/>
         <p:txBody>
           <a:bodyPr>
-            <a:normAutofit fontScale="90000"/>
+            <a:normAutofit/>
           </a:bodyPr>
           <a:lstStyle/>
           <a:p>
@@ -5766,13 +6052,13 @@
   <p:clrMapOvr>
     <a:masterClrMapping/>
   </p:clrMapOvr>
-  <mc:AlternateContent xmlns:mc="http://schemas.openxmlformats.org/markup-compatibility/2006">
-    <mc:Choice xmlns:p14="http://schemas.microsoft.com/office/powerpoint/2010/main" Requires="p14">
+  <mc:AlternateContent xmlns:mc="http://schemas.openxmlformats.org/markup-compatibility/2006" xmlns:p14="http://schemas.microsoft.com/office/powerpoint/2010/main">
+    <mc:Choice Requires="p14">
       <p:transition spd="med" p14:dur="700">
         <p:fade/>
       </p:transition>
     </mc:Choice>
-    <mc:Fallback>
+    <mc:Fallback xmlns="">
       <p:transition xmlns:p14="http://schemas.microsoft.com/office/powerpoint/2010/main" spd="med">
         <p:fade/>
       </p:transition>
@@ -5860,13 +6146,13 @@
   <p:clrMapOvr>
     <a:masterClrMapping/>
   </p:clrMapOvr>
-  <mc:AlternateContent xmlns:mc="http://schemas.openxmlformats.org/markup-compatibility/2006">
-    <mc:Choice xmlns:p14="http://schemas.microsoft.com/office/powerpoint/2010/main" Requires="p14">
+  <mc:AlternateContent xmlns:mc="http://schemas.openxmlformats.org/markup-compatibility/2006" xmlns:p14="http://schemas.microsoft.com/office/powerpoint/2010/main">
+    <mc:Choice Requires="p14">
       <p:transition spd="med" p14:dur="700">
         <p:fade/>
       </p:transition>
     </mc:Choice>
-    <mc:Fallback>
+    <mc:Fallback xmlns="">
       <p:transition xmlns:p14="http://schemas.microsoft.com/office/powerpoint/2010/main" spd="med">
         <p:fade/>
       </p:transition>
@@ -5905,7 +6191,7 @@
         <p:spPr/>
         <p:txBody>
           <a:bodyPr>
-            <a:normAutofit fontScale="90000"/>
+            <a:normAutofit/>
           </a:bodyPr>
           <a:lstStyle/>
           <a:p>
@@ -5975,13 +6261,13 @@
   <p:clrMapOvr>
     <a:masterClrMapping/>
   </p:clrMapOvr>
-  <mc:AlternateContent xmlns:mc="http://schemas.openxmlformats.org/markup-compatibility/2006">
-    <mc:Choice xmlns:p14="http://schemas.microsoft.com/office/powerpoint/2010/main" Requires="p14">
+  <mc:AlternateContent xmlns:mc="http://schemas.openxmlformats.org/markup-compatibility/2006" xmlns:p14="http://schemas.microsoft.com/office/powerpoint/2010/main">
+    <mc:Choice Requires="p14">
       <p:transition spd="med" p14:dur="700">
         <p:fade/>
       </p:transition>
     </mc:Choice>
-    <mc:Fallback>
+    <mc:Fallback xmlns="">
       <p:transition xmlns:p14="http://schemas.microsoft.com/office/powerpoint/2010/main" spd="med">
         <p:fade/>
       </p:transition>
@@ -6103,13 +6389,13 @@
   <p:clrMapOvr>
     <a:masterClrMapping/>
   </p:clrMapOvr>
-  <mc:AlternateContent xmlns:mc="http://schemas.openxmlformats.org/markup-compatibility/2006">
-    <mc:Choice xmlns:p14="http://schemas.microsoft.com/office/powerpoint/2010/main" Requires="p14">
+  <mc:AlternateContent xmlns:mc="http://schemas.openxmlformats.org/markup-compatibility/2006" xmlns:p14="http://schemas.microsoft.com/office/powerpoint/2010/main">
+    <mc:Choice Requires="p14">
       <p:transition spd="med" p14:dur="700">
         <p:fade/>
       </p:transition>
     </mc:Choice>
-    <mc:Fallback>
+    <mc:Fallback xmlns="">
       <p:transition xmlns:p14="http://schemas.microsoft.com/office/powerpoint/2010/main" spd="med">
         <p:fade/>
       </p:transition>
@@ -6233,13 +6519,13 @@
   <p:clrMapOvr>
     <a:masterClrMapping/>
   </p:clrMapOvr>
-  <mc:AlternateContent xmlns:mc="http://schemas.openxmlformats.org/markup-compatibility/2006">
-    <mc:Choice xmlns:p14="http://schemas.microsoft.com/office/powerpoint/2010/main" Requires="p14">
+  <mc:AlternateContent xmlns:mc="http://schemas.openxmlformats.org/markup-compatibility/2006" xmlns:p14="http://schemas.microsoft.com/office/powerpoint/2010/main">
+    <mc:Choice Requires="p14">
       <p:transition spd="med" p14:dur="700">
         <p:fade/>
       </p:transition>
     </mc:Choice>
-    <mc:Fallback>
+    <mc:Fallback xmlns="">
       <p:transition xmlns:p14="http://schemas.microsoft.com/office/powerpoint/2010/main" spd="med">
         <p:fade/>
       </p:transition>
@@ -6346,13 +6632,13 @@
   <p:clrMapOvr>
     <a:masterClrMapping/>
   </p:clrMapOvr>
-  <mc:AlternateContent xmlns:mc="http://schemas.openxmlformats.org/markup-compatibility/2006">
-    <mc:Choice xmlns:p14="http://schemas.microsoft.com/office/powerpoint/2010/main" Requires="p14">
+  <mc:AlternateContent xmlns:mc="http://schemas.openxmlformats.org/markup-compatibility/2006" xmlns:p14="http://schemas.microsoft.com/office/powerpoint/2010/main">
+    <mc:Choice Requires="p14">
       <p:transition spd="med" p14:dur="700">
         <p:fade/>
       </p:transition>
     </mc:Choice>
-    <mc:Fallback>
+    <mc:Fallback xmlns="">
       <p:transition xmlns:p14="http://schemas.microsoft.com/office/powerpoint/2010/main" spd="med">
         <p:fade/>
       </p:transition>
@@ -6447,13 +6733,13 @@
   <p:clrMapOvr>
     <a:masterClrMapping/>
   </p:clrMapOvr>
-  <mc:AlternateContent xmlns:mc="http://schemas.openxmlformats.org/markup-compatibility/2006">
-    <mc:Choice xmlns:p14="http://schemas.microsoft.com/office/powerpoint/2010/main" Requires="p14">
+  <mc:AlternateContent xmlns:mc="http://schemas.openxmlformats.org/markup-compatibility/2006" xmlns:p14="http://schemas.microsoft.com/office/powerpoint/2010/main">
+    <mc:Choice Requires="p14">
       <p:transition spd="med" p14:dur="700">
         <p:fade/>
       </p:transition>
     </mc:Choice>
-    <mc:Fallback>
+    <mc:Fallback xmlns="">
       <p:transition xmlns:p14="http://schemas.microsoft.com/office/powerpoint/2010/main" spd="med">
         <p:fade/>
       </p:transition>
@@ -6521,7 +6807,7 @@
         <p:spPr/>
         <p:txBody>
           <a:bodyPr>
-            <a:normAutofit fontScale="92500" lnSpcReduction="10000"/>
+            <a:normAutofit/>
           </a:bodyPr>
           <a:lstStyle/>
           <a:p>
@@ -6596,13 +6882,13 @@
   <p:clrMapOvr>
     <a:masterClrMapping/>
   </p:clrMapOvr>
-  <mc:AlternateContent xmlns:mc="http://schemas.openxmlformats.org/markup-compatibility/2006">
-    <mc:Choice xmlns:p14="http://schemas.microsoft.com/office/powerpoint/2010/main" Requires="p14">
+  <mc:AlternateContent xmlns:mc="http://schemas.openxmlformats.org/markup-compatibility/2006" xmlns:p14="http://schemas.microsoft.com/office/powerpoint/2010/main">
+    <mc:Choice Requires="p14">
       <p:transition spd="med" p14:dur="700">
         <p:fade/>
       </p:transition>
     </mc:Choice>
-    <mc:Fallback>
+    <mc:Fallback xmlns="">
       <p:transition xmlns:p14="http://schemas.microsoft.com/office/powerpoint/2010/main" spd="med">
         <p:fade/>
       </p:transition>
@@ -6721,13 +7007,13 @@
   <p:clrMapOvr>
     <a:masterClrMapping/>
   </p:clrMapOvr>
-  <mc:AlternateContent xmlns:mc="http://schemas.openxmlformats.org/markup-compatibility/2006">
-    <mc:Choice xmlns:p14="http://schemas.microsoft.com/office/powerpoint/2010/main" Requires="p14">
+  <mc:AlternateContent xmlns:mc="http://schemas.openxmlformats.org/markup-compatibility/2006" xmlns:p14="http://schemas.microsoft.com/office/powerpoint/2010/main">
+    <mc:Choice Requires="p14">
       <p:transition spd="med" p14:dur="700">
         <p:fade/>
       </p:transition>
     </mc:Choice>
-    <mc:Fallback>
+    <mc:Fallback xmlns="">
       <p:transition xmlns:p14="http://schemas.microsoft.com/office/powerpoint/2010/main" spd="med">
         <p:fade/>
       </p:transition>
@@ -6826,13 +7112,13 @@
   <p:clrMapOvr>
     <a:masterClrMapping/>
   </p:clrMapOvr>
-  <mc:AlternateContent xmlns:mc="http://schemas.openxmlformats.org/markup-compatibility/2006">
-    <mc:Choice xmlns:p14="http://schemas.microsoft.com/office/powerpoint/2010/main" Requires="p14">
+  <mc:AlternateContent xmlns:mc="http://schemas.openxmlformats.org/markup-compatibility/2006" xmlns:p14="http://schemas.microsoft.com/office/powerpoint/2010/main">
+    <mc:Choice Requires="p14">
       <p:transition spd="med" p14:dur="700">
         <p:fade/>
       </p:transition>
     </mc:Choice>
-    <mc:Fallback>
+    <mc:Fallback xmlns="">
       <p:transition xmlns:p14="http://schemas.microsoft.com/office/powerpoint/2010/main" spd="med">
         <p:fade/>
       </p:transition>
@@ -6926,13 +7212,13 @@
   <p:clrMapOvr>
     <a:masterClrMapping/>
   </p:clrMapOvr>
-  <mc:AlternateContent xmlns:mc="http://schemas.openxmlformats.org/markup-compatibility/2006">
-    <mc:Choice xmlns:p14="http://schemas.microsoft.com/office/powerpoint/2010/main" Requires="p14">
+  <mc:AlternateContent xmlns:mc="http://schemas.openxmlformats.org/markup-compatibility/2006" xmlns:p14="http://schemas.microsoft.com/office/powerpoint/2010/main">
+    <mc:Choice Requires="p14">
       <p:transition spd="med" p14:dur="700">
         <p:fade/>
       </p:transition>
     </mc:Choice>
-    <mc:Fallback>
+    <mc:Fallback xmlns="">
       <p:transition xmlns:p14="http://schemas.microsoft.com/office/powerpoint/2010/main" spd="med">
         <p:fade/>
       </p:transition>
@@ -7020,13 +7306,13 @@
   <p:clrMapOvr>
     <a:masterClrMapping/>
   </p:clrMapOvr>
-  <mc:AlternateContent xmlns:mc="http://schemas.openxmlformats.org/markup-compatibility/2006">
-    <mc:Choice xmlns:p14="http://schemas.microsoft.com/office/powerpoint/2010/main" Requires="p14">
+  <mc:AlternateContent xmlns:mc="http://schemas.openxmlformats.org/markup-compatibility/2006" xmlns:p14="http://schemas.microsoft.com/office/powerpoint/2010/main">
+    <mc:Choice Requires="p14">
       <p:transition spd="med" p14:dur="700">
         <p:fade/>
       </p:transition>
     </mc:Choice>
-    <mc:Fallback>
+    <mc:Fallback xmlns="">
       <p:transition xmlns:p14="http://schemas.microsoft.com/office/powerpoint/2010/main" spd="med">
         <p:fade/>
       </p:transition>
@@ -7118,13 +7404,13 @@
   <p:clrMapOvr>
     <a:masterClrMapping/>
   </p:clrMapOvr>
-  <mc:AlternateContent xmlns:mc="http://schemas.openxmlformats.org/markup-compatibility/2006">
-    <mc:Choice xmlns:p14="http://schemas.microsoft.com/office/powerpoint/2010/main" Requires="p14">
+  <mc:AlternateContent xmlns:mc="http://schemas.openxmlformats.org/markup-compatibility/2006" xmlns:p14="http://schemas.microsoft.com/office/powerpoint/2010/main">
+    <mc:Choice Requires="p14">
       <p:transition spd="med" p14:dur="700">
         <p:fade/>
       </p:transition>
     </mc:Choice>
-    <mc:Fallback>
+    <mc:Fallback xmlns="">
       <p:transition xmlns:p14="http://schemas.microsoft.com/office/powerpoint/2010/main" spd="med">
         <p:fade/>
       </p:transition>
@@ -7208,13 +7494,13 @@
   <p:clrMapOvr>
     <a:masterClrMapping/>
   </p:clrMapOvr>
-  <mc:AlternateContent xmlns:mc="http://schemas.openxmlformats.org/markup-compatibility/2006">
-    <mc:Choice xmlns:p14="http://schemas.microsoft.com/office/powerpoint/2010/main" Requires="p14">
+  <mc:AlternateContent xmlns:mc="http://schemas.openxmlformats.org/markup-compatibility/2006" xmlns:p14="http://schemas.microsoft.com/office/powerpoint/2010/main">
+    <mc:Choice Requires="p14">
       <p:transition spd="med" p14:dur="700">
         <p:fade/>
       </p:transition>
     </mc:Choice>
-    <mc:Fallback>
+    <mc:Fallback xmlns="">
       <p:transition xmlns:p14="http://schemas.microsoft.com/office/powerpoint/2010/main" spd="med">
         <p:fade/>
       </p:transition>
@@ -7318,13 +7604,13 @@
   <p:clrMapOvr>
     <a:masterClrMapping/>
   </p:clrMapOvr>
-  <mc:AlternateContent xmlns:mc="http://schemas.openxmlformats.org/markup-compatibility/2006">
-    <mc:Choice xmlns:p14="http://schemas.microsoft.com/office/powerpoint/2010/main" Requires="p14">
+  <mc:AlternateContent xmlns:mc="http://schemas.openxmlformats.org/markup-compatibility/2006" xmlns:p14="http://schemas.microsoft.com/office/powerpoint/2010/main">
+    <mc:Choice Requires="p14">
       <p:transition spd="med" p14:dur="700">
         <p:fade/>
       </p:transition>
     </mc:Choice>
-    <mc:Fallback>
+    <mc:Fallback xmlns="">
       <p:transition xmlns:p14="http://schemas.microsoft.com/office/powerpoint/2010/main" spd="med">
         <p:fade/>
       </p:transition>
@@ -7334,59 +7620,57 @@
 </file>
 
 <file path=ppt/theme/theme1.xml><?xml version="1.0" encoding="utf-8"?>
-<a:theme xmlns:a="http://schemas.openxmlformats.org/drawingml/2006/main" name="Chargers Theme">
+<a:theme xmlns:a="http://schemas.openxmlformats.org/drawingml/2006/main" name="chargers2">
   <a:themeElements>
-    <a:clrScheme name="Chargers Theme Colors 1">
+    <a:clrScheme name="chargers">
       <a:dk1>
         <a:srgbClr val="000000"/>
       </a:dk1>
       <a:lt1>
-        <a:srgbClr val="CCCCCC"/>
+        <a:srgbClr val="FFFFFF"/>
       </a:lt1>
       <a:dk2>
-        <a:srgbClr val="0C2340"/>
+        <a:srgbClr val="082551"/>
       </a:dk2>
       <a:lt2>
-        <a:srgbClr val="CCCCCC"/>
+        <a:srgbClr val="D4D4D6"/>
       </a:lt2>
       <a:accent1>
-        <a:srgbClr val="FFB81C"/>
+        <a:srgbClr val="F0AD00"/>
       </a:accent1>
       <a:accent2>
-        <a:srgbClr val="0072CE"/>
+        <a:srgbClr val="69C0FF"/>
       </a:accent2>
       <a:accent3>
-        <a:srgbClr val="999999"/>
+        <a:srgbClr val="E66C7D"/>
       </a:accent3>
       <a:accent4>
-        <a:srgbClr val="FFB81C"/>
+        <a:srgbClr val="6BB76D"/>
       </a:accent4>
       <a:accent5>
-        <a:srgbClr val="FFFFFF"/>
+        <a:srgbClr val="E88651"/>
       </a:accent5>
       <a:accent6>
-        <a:srgbClr val="666666"/>
+        <a:srgbClr val="C64847"/>
       </a:accent6>
       <a:hlink>
-        <a:srgbClr val="0072CE"/>
+        <a:srgbClr val="168BBA"/>
       </a:hlink>
       <a:folHlink>
-        <a:srgbClr val="666666"/>
+        <a:srgbClr val="680000"/>
       </a:folHlink>
     </a:clrScheme>
-    <a:fontScheme name="Median">
+    <a:fontScheme name="Aspect">
       <a:majorFont>
-        <a:latin typeface="Tw Cen MT"/>
+        <a:latin typeface="Verdana"/>
         <a:ea typeface=""/>
         <a:cs typeface=""/>
-        <a:font script="Grek" typeface="Calibri"/>
-        <a:font script="Cyrl" typeface="Calibri"/>
-        <a:font script="Jpan" typeface="ＭＳ Ｐゴシック"/>
-        <a:font script="Hang" typeface="HY얕은샘물M"/>
-        <a:font script="Hans" typeface="华文仿宋"/>
+        <a:font script="Jpan" typeface="ＭＳ ゴシック"/>
+        <a:font script="Hang" typeface="굴림"/>
+        <a:font script="Hans" typeface="微软雅黑"/>
         <a:font script="Hant" typeface="微軟正黑體"/>
-        <a:font script="Arab" typeface="Arial"/>
-        <a:font script="Hebr" typeface="Levenim MT"/>
+        <a:font script="Arab" typeface="Tahoma"/>
+        <a:font script="Hebr" typeface="Tahoma"/>
         <a:font script="Thai" typeface="FreesiaUPC"/>
         <a:font script="Ethi" typeface="Nyala"/>
         <a:font script="Beng" typeface="Vrinda"/>
@@ -7408,21 +7692,19 @@
         <a:font script="Laoo" typeface="DokChampa"/>
         <a:font script="Sinh" typeface="Iskoola Pota"/>
         <a:font script="Mong" typeface="Mongolian Baiti"/>
-        <a:font script="Viet" typeface="Tahoma"/>
+        <a:font script="Viet" typeface="Verdana"/>
         <a:font script="Uigh" typeface="Microsoft Uighur"/>
       </a:majorFont>
       <a:minorFont>
-        <a:latin typeface="Tw Cen MT"/>
+        <a:latin typeface="Verdana"/>
         <a:ea typeface=""/>
         <a:cs typeface=""/>
-        <a:font script="Grek" typeface="Calibri"/>
-        <a:font script="Cyrl" typeface="Calibri"/>
-        <a:font script="Jpan" typeface="ＭＳ Ｐゴシック"/>
-        <a:font script="Hang" typeface="HY얕은샘물M"/>
-        <a:font script="Hans" typeface="华文仿宋"/>
+        <a:font script="Jpan" typeface="ＭＳ ゴシック"/>
+        <a:font script="Hang" typeface="굴림"/>
+        <a:font script="Hans" typeface="微软雅黑"/>
         <a:font script="Hant" typeface="微軟正黑體"/>
-        <a:font script="Arab" typeface="Arial"/>
-        <a:font script="Hebr" typeface="Levenim MT"/>
+        <a:font script="Arab" typeface="Tahoma"/>
+        <a:font script="Hebr" typeface="Tahoma"/>
         <a:font script="Thai" typeface="FreesiaUPC"/>
         <a:font script="Ethi" typeface="Nyala"/>
         <a:font script="Beng" typeface="Vrinda"/>
@@ -7444,7 +7726,7 @@
         <a:font script="Laoo" typeface="DokChampa"/>
         <a:font script="Sinh" typeface="Iskoola Pota"/>
         <a:font script="Mong" typeface="Mongolian Baiti"/>
-        <a:font script="Viet" typeface="Tahoma"/>
+        <a:font script="Viet" typeface="Verdana"/>
         <a:font script="Uigh" typeface="Microsoft Uighur"/>
       </a:minorFont>
     </a:fontScheme>
@@ -7560,51 +7842,13 @@
       </a:bgFillStyleLst>
     </a:fmtScheme>
   </a:themeElements>
-  <a:objectDefaults>
-    <a:spDef>
-      <a:spPr/>
-      <a:bodyPr rtlCol="0" anchor="ctr"/>
-      <a:lstStyle>
-        <a:defPPr algn="ctr">
-          <a:defRPr/>
-        </a:defPPr>
-      </a:lstStyle>
-      <a:style>
-        <a:lnRef idx="1">
-          <a:schemeClr val="accent1"/>
-        </a:lnRef>
-        <a:fillRef idx="3">
-          <a:schemeClr val="accent1"/>
-        </a:fillRef>
-        <a:effectRef idx="2">
-          <a:schemeClr val="accent1"/>
-        </a:effectRef>
-        <a:fontRef idx="minor">
-          <a:schemeClr val="lt1"/>
-        </a:fontRef>
-      </a:style>
-    </a:spDef>
-    <a:lnDef>
-      <a:spPr/>
-      <a:bodyPr/>
-      <a:lstStyle/>
-      <a:style>
-        <a:lnRef idx="2">
-          <a:schemeClr val="accent1"/>
-        </a:lnRef>
-        <a:fillRef idx="0">
-          <a:schemeClr val="accent1"/>
-        </a:fillRef>
-        <a:effectRef idx="1">
-          <a:schemeClr val="accent1"/>
-        </a:effectRef>
-        <a:fontRef idx="minor">
-          <a:schemeClr val="tx1"/>
-        </a:fontRef>
-      </a:style>
-    </a:lnDef>
-  </a:objectDefaults>
+  <a:objectDefaults/>
   <a:extraClrSchemeLst/>
+  <a:extLst>
+    <a:ext uri="{05A4C25C-085E-4340-85A3-A5531E510DB2}">
+      <thm15:themeFamily xmlns:thm15="http://schemas.microsoft.com/office/thememl/2012/main" name="chargers2" id="{6DBD1BB9-3822-1742-A51A-4595D71C9688}" vid="{2974C9F9-02AF-7A4D-8B70-272A2D4E3805}"/>
+    </a:ext>
+  </a:extLst>
 </a:theme>
 </file>
 
